--- a/Document/Source/보스 콘텐츠 시스템 UI.pptx
+++ b/Document/Source/보스 콘텐츠 시스템 UI.pptx
@@ -8,6 +8,8 @@
     <p:sldId id="256" r:id="rId2"/>
     <p:sldId id="257" r:id="rId3"/>
     <p:sldId id="258" r:id="rId4"/>
+    <p:sldId id="259" r:id="rId5"/>
+    <p:sldId id="260" r:id="rId6"/>
   </p:sldIdLst>
   <p:sldSz cx="12192000" cy="6858000"/>
   <p:notesSz cx="6858000" cy="9144000"/>
@@ -106,6 +108,11 @@
       </a:defRPr>
     </a:lvl9pPr>
   </p:defaultTextStyle>
+  <p:extLst>
+    <p:ext uri="{EFAFB233-063F-42B5-8137-9DF3F51BA10A}">
+      <p15:sldGuideLst xmlns:p15="http://schemas.microsoft.com/office/powerpoint/2012/main"/>
+    </p:ext>
+  </p:extLst>
 </p:presentation>
 </file>
 
@@ -3650,846 +3657,6 @@
       </p:graphicFrame>
       <p:grpSp>
         <p:nvGrpSpPr>
-          <p:cNvPr id="35" name="그룹 34">
-            <a:extLst>
-              <a:ext uri="{FF2B5EF4-FFF2-40B4-BE49-F238E27FC236}">
-                <a16:creationId xmlns:a16="http://schemas.microsoft.com/office/drawing/2014/main" id="{6F89F8DD-4AF9-9BE9-47C3-874C446ECB22}"/>
-              </a:ext>
-            </a:extLst>
-          </p:cNvPr>
-          <p:cNvGrpSpPr/>
-          <p:nvPr/>
-        </p:nvGrpSpPr>
-        <p:grpSpPr>
-          <a:xfrm>
-            <a:off x="1746563" y="1288658"/>
-            <a:ext cx="5329123" cy="4231511"/>
-            <a:chOff x="1746563" y="1288658"/>
-            <a:chExt cx="5329123" cy="4231511"/>
-          </a:xfrm>
-        </p:grpSpPr>
-        <p:sp>
-          <p:nvSpPr>
-            <p:cNvPr id="3" name="사각형: 둥근 모서리 2">
-              <a:extLst>
-                <a:ext uri="{FF2B5EF4-FFF2-40B4-BE49-F238E27FC236}">
-                  <a16:creationId xmlns:a16="http://schemas.microsoft.com/office/drawing/2014/main" id="{F14B23AE-187E-BD46-7E44-975C41372CDD}"/>
-                </a:ext>
-              </a:extLst>
-            </p:cNvPr>
-            <p:cNvSpPr/>
-            <p:nvPr/>
-          </p:nvSpPr>
-          <p:spPr>
-            <a:xfrm>
-              <a:off x="1752068" y="2313005"/>
-              <a:ext cx="1334729" cy="886894"/>
-            </a:xfrm>
-            <a:prstGeom prst="roundRect">
-              <a:avLst/>
-            </a:prstGeom>
-          </p:spPr>
-          <p:style>
-            <a:lnRef idx="3">
-              <a:schemeClr val="lt1"/>
-            </a:lnRef>
-            <a:fillRef idx="1">
-              <a:schemeClr val="accent3"/>
-            </a:fillRef>
-            <a:effectRef idx="1">
-              <a:schemeClr val="accent3"/>
-            </a:effectRef>
-            <a:fontRef idx="minor">
-              <a:schemeClr val="lt1"/>
-            </a:fontRef>
-          </p:style>
-          <p:txBody>
-            <a:bodyPr rtlCol="0" anchor="ctr"/>
-            <a:lstStyle/>
-            <a:p>
-              <a:pPr algn="ctr"/>
-              <a:r>
-                <a:rPr lang="ko-KR" altLang="en-US" dirty="0">
-                  <a:latin typeface="Microsoft GothicNeo Light" panose="020B0300000101010101" pitchFamily="50" charset="-127"/>
-                  <a:ea typeface="Microsoft GothicNeo Light" panose="020B0300000101010101" pitchFamily="50" charset="-127"/>
-                  <a:cs typeface="Microsoft GothicNeo Light" panose="020B0300000101010101" pitchFamily="50" charset="-127"/>
-                </a:rPr>
-                <a:t>시간</a:t>
-              </a:r>
-            </a:p>
-          </p:txBody>
-        </p:sp>
-        <p:sp>
-          <p:nvSpPr>
-            <p:cNvPr id="10" name="사각형: 둥근 모서리 9">
-              <a:extLst>
-                <a:ext uri="{FF2B5EF4-FFF2-40B4-BE49-F238E27FC236}">
-                  <a16:creationId xmlns:a16="http://schemas.microsoft.com/office/drawing/2014/main" id="{3F6928E2-26ED-F016-DE05-E40B7E340638}"/>
-                </a:ext>
-              </a:extLst>
-            </p:cNvPr>
-            <p:cNvSpPr/>
-            <p:nvPr/>
-          </p:nvSpPr>
-          <p:spPr>
-            <a:xfrm>
-              <a:off x="1746563" y="3911215"/>
-              <a:ext cx="1334729" cy="886894"/>
-            </a:xfrm>
-            <a:prstGeom prst="roundRect">
-              <a:avLst/>
-            </a:prstGeom>
-          </p:spPr>
-          <p:style>
-            <a:lnRef idx="3">
-              <a:schemeClr val="lt1"/>
-            </a:lnRef>
-            <a:fillRef idx="1">
-              <a:schemeClr val="accent3"/>
-            </a:fillRef>
-            <a:effectRef idx="1">
-              <a:schemeClr val="accent3"/>
-            </a:effectRef>
-            <a:fontRef idx="minor">
-              <a:schemeClr val="lt1"/>
-            </a:fontRef>
-          </p:style>
-          <p:txBody>
-            <a:bodyPr rtlCol="0" anchor="ctr"/>
-            <a:lstStyle/>
-            <a:p>
-              <a:pPr algn="ctr"/>
-              <a:r>
-                <a:rPr lang="ko-KR" altLang="en-US" dirty="0"/>
-                <a:t>체력</a:t>
-              </a:r>
-            </a:p>
-          </p:txBody>
-        </p:sp>
-        <p:cxnSp>
-          <p:nvCxnSpPr>
-            <p:cNvPr id="12" name="직선 연결선 11">
-              <a:extLst>
-                <a:ext uri="{FF2B5EF4-FFF2-40B4-BE49-F238E27FC236}">
-                  <a16:creationId xmlns:a16="http://schemas.microsoft.com/office/drawing/2014/main" id="{5874CF0A-215A-E8DD-DD58-85269429CF5F}"/>
-                </a:ext>
-              </a:extLst>
-            </p:cNvPr>
-            <p:cNvCxnSpPr/>
-            <p:nvPr/>
-          </p:nvCxnSpPr>
-          <p:spPr>
-            <a:xfrm>
-              <a:off x="4412975" y="2120348"/>
-              <a:ext cx="0" cy="1371600"/>
-            </a:xfrm>
-            <a:prstGeom prst="line">
-              <a:avLst/>
-            </a:prstGeom>
-            <a:ln w="101600">
-              <a:solidFill>
-                <a:schemeClr val="tx1"/>
-              </a:solidFill>
-            </a:ln>
-          </p:spPr>
-          <p:style>
-            <a:lnRef idx="1">
-              <a:schemeClr val="accent1"/>
-            </a:lnRef>
-            <a:fillRef idx="0">
-              <a:schemeClr val="accent1"/>
-            </a:fillRef>
-            <a:effectRef idx="0">
-              <a:schemeClr val="accent1"/>
-            </a:effectRef>
-            <a:fontRef idx="minor">
-              <a:schemeClr val="tx1"/>
-            </a:fontRef>
-          </p:style>
-        </p:cxnSp>
-        <p:sp>
-          <p:nvSpPr>
-            <p:cNvPr id="13" name="화살표: 오른쪽 12">
-              <a:extLst>
-                <a:ext uri="{FF2B5EF4-FFF2-40B4-BE49-F238E27FC236}">
-                  <a16:creationId xmlns:a16="http://schemas.microsoft.com/office/drawing/2014/main" id="{90A990A0-43B9-4047-941D-797823849EDB}"/>
-                </a:ext>
-              </a:extLst>
-            </p:cNvPr>
-            <p:cNvSpPr/>
-            <p:nvPr/>
-          </p:nvSpPr>
-          <p:spPr>
-            <a:xfrm>
-              <a:off x="3193775" y="2193235"/>
-              <a:ext cx="1069336" cy="468433"/>
-            </a:xfrm>
-            <a:prstGeom prst="rightArrow">
-              <a:avLst/>
-            </a:prstGeom>
-          </p:spPr>
-          <p:style>
-            <a:lnRef idx="3">
-              <a:schemeClr val="lt1"/>
-            </a:lnRef>
-            <a:fillRef idx="1">
-              <a:schemeClr val="accent3"/>
-            </a:fillRef>
-            <a:effectRef idx="1">
-              <a:schemeClr val="accent3"/>
-            </a:effectRef>
-            <a:fontRef idx="minor">
-              <a:schemeClr val="lt1"/>
-            </a:fontRef>
-          </p:style>
-          <p:txBody>
-            <a:bodyPr rtlCol="0" anchor="ctr"/>
-            <a:lstStyle/>
-            <a:p>
-              <a:pPr algn="ctr"/>
-              <a:r>
-                <a:rPr lang="ko-KR" altLang="en-US" sz="1200" dirty="0">
-                  <a:latin typeface="Microsoft GothicNeo Light" panose="020B0300000101010101" pitchFamily="50" charset="-127"/>
-                  <a:ea typeface="Microsoft GothicNeo Light" panose="020B0300000101010101" pitchFamily="50" charset="-127"/>
-                  <a:cs typeface="Microsoft GothicNeo Light" panose="020B0300000101010101" pitchFamily="50" charset="-127"/>
-                </a:rPr>
-                <a:t>최상위권</a:t>
-              </a:r>
-            </a:p>
-          </p:txBody>
-        </p:sp>
-        <p:sp>
-          <p:nvSpPr>
-            <p:cNvPr id="14" name="TextBox 13">
-              <a:extLst>
-                <a:ext uri="{FF2B5EF4-FFF2-40B4-BE49-F238E27FC236}">
-                  <a16:creationId xmlns:a16="http://schemas.microsoft.com/office/drawing/2014/main" id="{12324DE0-41BC-207A-6242-C7FBA89C08A1}"/>
-                </a:ext>
-              </a:extLst>
-            </p:cNvPr>
-            <p:cNvSpPr txBox="1"/>
-            <p:nvPr/>
-          </p:nvSpPr>
-          <p:spPr>
-            <a:xfrm>
-              <a:off x="3868594" y="1729842"/>
-              <a:ext cx="984565" cy="369332"/>
-            </a:xfrm>
-            <a:prstGeom prst="rect">
-              <a:avLst/>
-            </a:prstGeom>
-            <a:noFill/>
-          </p:spPr>
-          <p:txBody>
-            <a:bodyPr wrap="none" rtlCol="0">
-              <a:spAutoFit/>
-            </a:bodyPr>
-            <a:lstStyle/>
-            <a:p>
-              <a:pPr algn="ctr"/>
-              <a:r>
-                <a:rPr lang="en-US" altLang="ko-KR" dirty="0">
-                  <a:latin typeface="Microsoft GothicNeo Light" panose="020B0300000101010101" pitchFamily="50" charset="-127"/>
-                  <a:ea typeface="Microsoft GothicNeo Light" panose="020B0300000101010101" pitchFamily="50" charset="-127"/>
-                  <a:cs typeface="Microsoft GothicNeo Light" panose="020B0300000101010101" pitchFamily="50" charset="-127"/>
-                </a:rPr>
-                <a:t>1</a:t>
-              </a:r>
-              <a:r>
-                <a:rPr lang="ko-KR" altLang="en-US" dirty="0">
-                  <a:latin typeface="Microsoft GothicNeo Light" panose="020B0300000101010101" pitchFamily="50" charset="-127"/>
-                  <a:ea typeface="Microsoft GothicNeo Light" panose="020B0300000101010101" pitchFamily="50" charset="-127"/>
-                  <a:cs typeface="Microsoft GothicNeo Light" panose="020B0300000101010101" pitchFamily="50" charset="-127"/>
-                </a:rPr>
-                <a:t>차 각성</a:t>
-              </a:r>
-            </a:p>
-          </p:txBody>
-        </p:sp>
-        <p:sp>
-          <p:nvSpPr>
-            <p:cNvPr id="15" name="화살표: 오른쪽 14">
-              <a:extLst>
-                <a:ext uri="{FF2B5EF4-FFF2-40B4-BE49-F238E27FC236}">
-                  <a16:creationId xmlns:a16="http://schemas.microsoft.com/office/drawing/2014/main" id="{C0CA95FB-72A6-EA82-3EAA-79016C4D2778}"/>
-                </a:ext>
-              </a:extLst>
-            </p:cNvPr>
-            <p:cNvSpPr/>
-            <p:nvPr/>
-          </p:nvSpPr>
-          <p:spPr>
-            <a:xfrm>
-              <a:off x="3193774" y="2522236"/>
-              <a:ext cx="2372139" cy="468433"/>
-            </a:xfrm>
-            <a:prstGeom prst="rightArrow">
-              <a:avLst/>
-            </a:prstGeom>
-          </p:spPr>
-          <p:style>
-            <a:lnRef idx="3">
-              <a:schemeClr val="lt1"/>
-            </a:lnRef>
-            <a:fillRef idx="1">
-              <a:schemeClr val="accent3"/>
-            </a:fillRef>
-            <a:effectRef idx="1">
-              <a:schemeClr val="accent3"/>
-            </a:effectRef>
-            <a:fontRef idx="minor">
-              <a:schemeClr val="lt1"/>
-            </a:fontRef>
-          </p:style>
-          <p:txBody>
-            <a:bodyPr rtlCol="0" anchor="ctr"/>
-            <a:lstStyle/>
-            <a:p>
-              <a:pPr algn="ctr"/>
-              <a:r>
-                <a:rPr lang="ko-KR" altLang="en-US" sz="1200" dirty="0">
-                  <a:latin typeface="Microsoft GothicNeo Light" panose="020B0300000101010101" pitchFamily="50" charset="-127"/>
-                  <a:ea typeface="Microsoft GothicNeo Light" panose="020B0300000101010101" pitchFamily="50" charset="-127"/>
-                  <a:cs typeface="Microsoft GothicNeo Light" panose="020B0300000101010101" pitchFamily="50" charset="-127"/>
-                </a:rPr>
-                <a:t>중위권</a:t>
-              </a:r>
-            </a:p>
-          </p:txBody>
-        </p:sp>
-        <p:cxnSp>
-          <p:nvCxnSpPr>
-            <p:cNvPr id="17" name="직선 연결선 16">
-              <a:extLst>
-                <a:ext uri="{FF2B5EF4-FFF2-40B4-BE49-F238E27FC236}">
-                  <a16:creationId xmlns:a16="http://schemas.microsoft.com/office/drawing/2014/main" id="{7AE20303-0709-1FFE-0FA1-322775D1EC2D}"/>
-                </a:ext>
-              </a:extLst>
-            </p:cNvPr>
-            <p:cNvCxnSpPr/>
-            <p:nvPr/>
-          </p:nvCxnSpPr>
-          <p:spPr>
-            <a:xfrm>
-              <a:off x="5804777" y="2120348"/>
-              <a:ext cx="0" cy="1371600"/>
-            </a:xfrm>
-            <a:prstGeom prst="line">
-              <a:avLst/>
-            </a:prstGeom>
-            <a:ln w="101600">
-              <a:solidFill>
-                <a:schemeClr val="tx1"/>
-              </a:solidFill>
-            </a:ln>
-          </p:spPr>
-          <p:style>
-            <a:lnRef idx="1">
-              <a:schemeClr val="accent1"/>
-            </a:lnRef>
-            <a:fillRef idx="0">
-              <a:schemeClr val="accent1"/>
-            </a:fillRef>
-            <a:effectRef idx="0">
-              <a:schemeClr val="accent1"/>
-            </a:effectRef>
-            <a:fontRef idx="minor">
-              <a:schemeClr val="tx1"/>
-            </a:fontRef>
-          </p:style>
-        </p:cxnSp>
-        <p:sp>
-          <p:nvSpPr>
-            <p:cNvPr id="18" name="TextBox 17">
-              <a:extLst>
-                <a:ext uri="{FF2B5EF4-FFF2-40B4-BE49-F238E27FC236}">
-                  <a16:creationId xmlns:a16="http://schemas.microsoft.com/office/drawing/2014/main" id="{4867F4F5-B54B-4185-3D37-0E40B565697F}"/>
-                </a:ext>
-              </a:extLst>
-            </p:cNvPr>
-            <p:cNvSpPr txBox="1"/>
-            <p:nvPr/>
-          </p:nvSpPr>
-          <p:spPr>
-            <a:xfrm>
-              <a:off x="5297878" y="1729842"/>
-              <a:ext cx="1003801" cy="369332"/>
-            </a:xfrm>
-            <a:prstGeom prst="rect">
-              <a:avLst/>
-            </a:prstGeom>
-            <a:noFill/>
-          </p:spPr>
-          <p:txBody>
-            <a:bodyPr wrap="none" rtlCol="0">
-              <a:spAutoFit/>
-            </a:bodyPr>
-            <a:lstStyle/>
-            <a:p>
-              <a:pPr algn="ctr"/>
-              <a:r>
-                <a:rPr lang="en-US" altLang="ko-KR" dirty="0">
-                  <a:latin typeface="Microsoft GothicNeo Light" panose="020B0300000101010101" pitchFamily="50" charset="-127"/>
-                  <a:ea typeface="Microsoft GothicNeo Light" panose="020B0300000101010101" pitchFamily="50" charset="-127"/>
-                  <a:cs typeface="Microsoft GothicNeo Light" panose="020B0300000101010101" pitchFamily="50" charset="-127"/>
-                </a:rPr>
-                <a:t>2</a:t>
-              </a:r>
-              <a:r>
-                <a:rPr lang="ko-KR" altLang="en-US" dirty="0">
-                  <a:latin typeface="Microsoft GothicNeo Light" panose="020B0300000101010101" pitchFamily="50" charset="-127"/>
-                  <a:ea typeface="Microsoft GothicNeo Light" panose="020B0300000101010101" pitchFamily="50" charset="-127"/>
-                  <a:cs typeface="Microsoft GothicNeo Light" panose="020B0300000101010101" pitchFamily="50" charset="-127"/>
-                </a:rPr>
-                <a:t>차 각성</a:t>
-              </a:r>
-            </a:p>
-          </p:txBody>
-        </p:sp>
-        <p:sp>
-          <p:nvSpPr>
-            <p:cNvPr id="19" name="화살표: 오른쪽 18">
-              <a:extLst>
-                <a:ext uri="{FF2B5EF4-FFF2-40B4-BE49-F238E27FC236}">
-                  <a16:creationId xmlns:a16="http://schemas.microsoft.com/office/drawing/2014/main" id="{CDE9F679-C0A7-841A-5BE3-6085F9DB861D}"/>
-                </a:ext>
-              </a:extLst>
-            </p:cNvPr>
-            <p:cNvSpPr/>
-            <p:nvPr/>
-          </p:nvSpPr>
-          <p:spPr>
-            <a:xfrm>
-              <a:off x="3193773" y="2851237"/>
-              <a:ext cx="3881907" cy="468433"/>
-            </a:xfrm>
-            <a:prstGeom prst="rightArrow">
-              <a:avLst/>
-            </a:prstGeom>
-          </p:spPr>
-          <p:style>
-            <a:lnRef idx="3">
-              <a:schemeClr val="lt1"/>
-            </a:lnRef>
-            <a:fillRef idx="1">
-              <a:schemeClr val="accent3"/>
-            </a:fillRef>
-            <a:effectRef idx="1">
-              <a:schemeClr val="accent3"/>
-            </a:effectRef>
-            <a:fontRef idx="minor">
-              <a:schemeClr val="lt1"/>
-            </a:fontRef>
-          </p:style>
-          <p:txBody>
-            <a:bodyPr rtlCol="0" anchor="ctr"/>
-            <a:lstStyle/>
-            <a:p>
-              <a:pPr algn="ctr"/>
-              <a:r>
-                <a:rPr lang="ko-KR" altLang="en-US" sz="1200" dirty="0">
-                  <a:latin typeface="Microsoft GothicNeo Light" panose="020B0300000101010101" pitchFamily="50" charset="-127"/>
-                  <a:ea typeface="Microsoft GothicNeo Light" panose="020B0300000101010101" pitchFamily="50" charset="-127"/>
-                  <a:cs typeface="Microsoft GothicNeo Light" panose="020B0300000101010101" pitchFamily="50" charset="-127"/>
-                </a:rPr>
-                <a:t>하위권</a:t>
-              </a:r>
-            </a:p>
-          </p:txBody>
-        </p:sp>
-        <p:cxnSp>
-          <p:nvCxnSpPr>
-            <p:cNvPr id="20" name="직선 연결선 19">
-              <a:extLst>
-                <a:ext uri="{FF2B5EF4-FFF2-40B4-BE49-F238E27FC236}">
-                  <a16:creationId xmlns:a16="http://schemas.microsoft.com/office/drawing/2014/main" id="{EC85C92A-146A-7987-9D09-5779EF8FBBB0}"/>
-                </a:ext>
-              </a:extLst>
-            </p:cNvPr>
-            <p:cNvCxnSpPr>
-              <a:cxnSpLocks/>
-            </p:cNvCxnSpPr>
-            <p:nvPr/>
-          </p:nvCxnSpPr>
-          <p:spPr>
-            <a:xfrm>
-              <a:off x="4412975" y="3668862"/>
-              <a:ext cx="0" cy="1371600"/>
-            </a:xfrm>
-            <a:prstGeom prst="line">
-              <a:avLst/>
-            </a:prstGeom>
-            <a:ln w="101600">
-              <a:solidFill>
-                <a:schemeClr val="tx1"/>
-              </a:solidFill>
-            </a:ln>
-          </p:spPr>
-          <p:style>
-            <a:lnRef idx="1">
-              <a:schemeClr val="accent1"/>
-            </a:lnRef>
-            <a:fillRef idx="0">
-              <a:schemeClr val="accent1"/>
-            </a:fillRef>
-            <a:effectRef idx="0">
-              <a:schemeClr val="accent1"/>
-            </a:effectRef>
-            <a:fontRef idx="minor">
-              <a:schemeClr val="tx1"/>
-            </a:fontRef>
-          </p:style>
-        </p:cxnSp>
-        <p:sp>
-          <p:nvSpPr>
-            <p:cNvPr id="21" name="TextBox 20">
-              <a:extLst>
-                <a:ext uri="{FF2B5EF4-FFF2-40B4-BE49-F238E27FC236}">
-                  <a16:creationId xmlns:a16="http://schemas.microsoft.com/office/drawing/2014/main" id="{07456980-E6F5-2217-0E1B-9D70E6CE2DA8}"/>
-                </a:ext>
-              </a:extLst>
-            </p:cNvPr>
-            <p:cNvSpPr txBox="1"/>
-            <p:nvPr/>
-          </p:nvSpPr>
-          <p:spPr>
-            <a:xfrm>
-              <a:off x="3862793" y="5150837"/>
-              <a:ext cx="1090363" cy="369332"/>
-            </a:xfrm>
-            <a:prstGeom prst="rect">
-              <a:avLst/>
-            </a:prstGeom>
-            <a:noFill/>
-          </p:spPr>
-          <p:txBody>
-            <a:bodyPr wrap="none" rtlCol="0">
-              <a:spAutoFit/>
-            </a:bodyPr>
-            <a:lstStyle/>
-            <a:p>
-              <a:pPr algn="ctr"/>
-              <a:r>
-                <a:rPr lang="ko-KR" altLang="en-US" dirty="0" err="1">
-                  <a:latin typeface="Microsoft GothicNeo Light" panose="020B0300000101010101" pitchFamily="50" charset="-127"/>
-                  <a:ea typeface="Microsoft GothicNeo Light" panose="020B0300000101010101" pitchFamily="50" charset="-127"/>
-                  <a:cs typeface="Microsoft GothicNeo Light" panose="020B0300000101010101" pitchFamily="50" charset="-127"/>
-                </a:rPr>
-                <a:t>기믹</a:t>
-              </a:r>
-              <a:r>
-                <a:rPr lang="ko-KR" altLang="en-US" dirty="0">
-                  <a:latin typeface="Microsoft GothicNeo Light" panose="020B0300000101010101" pitchFamily="50" charset="-127"/>
-                  <a:ea typeface="Microsoft GothicNeo Light" panose="020B0300000101010101" pitchFamily="50" charset="-127"/>
-                  <a:cs typeface="Microsoft GothicNeo Light" panose="020B0300000101010101" pitchFamily="50" charset="-127"/>
-                </a:rPr>
-                <a:t> 공격</a:t>
-              </a:r>
-            </a:p>
-          </p:txBody>
-        </p:sp>
-        <p:cxnSp>
-          <p:nvCxnSpPr>
-            <p:cNvPr id="22" name="직선 연결선 21">
-              <a:extLst>
-                <a:ext uri="{FF2B5EF4-FFF2-40B4-BE49-F238E27FC236}">
-                  <a16:creationId xmlns:a16="http://schemas.microsoft.com/office/drawing/2014/main" id="{89BD3E67-BAAA-BD7B-D325-8910AA0F077B}"/>
-                </a:ext>
-              </a:extLst>
-            </p:cNvPr>
-            <p:cNvCxnSpPr>
-              <a:cxnSpLocks/>
-            </p:cNvCxnSpPr>
-            <p:nvPr/>
-          </p:nvCxnSpPr>
-          <p:spPr>
-            <a:xfrm>
-              <a:off x="5804777" y="3668862"/>
-              <a:ext cx="0" cy="1371600"/>
-            </a:xfrm>
-            <a:prstGeom prst="line">
-              <a:avLst/>
-            </a:prstGeom>
-            <a:ln w="101600">
-              <a:solidFill>
-                <a:schemeClr val="tx1"/>
-              </a:solidFill>
-            </a:ln>
-          </p:spPr>
-          <p:style>
-            <a:lnRef idx="1">
-              <a:schemeClr val="accent1"/>
-            </a:lnRef>
-            <a:fillRef idx="0">
-              <a:schemeClr val="accent1"/>
-            </a:fillRef>
-            <a:effectRef idx="0">
-              <a:schemeClr val="accent1"/>
-            </a:effectRef>
-            <a:fontRef idx="minor">
-              <a:schemeClr val="tx1"/>
-            </a:fontRef>
-          </p:style>
-        </p:cxnSp>
-        <p:sp>
-          <p:nvSpPr>
-            <p:cNvPr id="23" name="TextBox 22">
-              <a:extLst>
-                <a:ext uri="{FF2B5EF4-FFF2-40B4-BE49-F238E27FC236}">
-                  <a16:creationId xmlns:a16="http://schemas.microsoft.com/office/drawing/2014/main" id="{C875B502-DF19-A844-82DA-4C2AB9662E57}"/>
-                </a:ext>
-              </a:extLst>
-            </p:cNvPr>
-            <p:cNvSpPr txBox="1"/>
-            <p:nvPr/>
-          </p:nvSpPr>
-          <p:spPr>
-            <a:xfrm>
-              <a:off x="5254598" y="5150837"/>
-              <a:ext cx="1090363" cy="369332"/>
-            </a:xfrm>
-            <a:prstGeom prst="rect">
-              <a:avLst/>
-            </a:prstGeom>
-            <a:noFill/>
-          </p:spPr>
-          <p:txBody>
-            <a:bodyPr wrap="none" rtlCol="0">
-              <a:spAutoFit/>
-            </a:bodyPr>
-            <a:lstStyle/>
-            <a:p>
-              <a:pPr algn="ctr"/>
-              <a:r>
-                <a:rPr lang="ko-KR" altLang="en-US" dirty="0">
-                  <a:latin typeface="Microsoft GothicNeo Light" panose="020B0300000101010101" pitchFamily="50" charset="-127"/>
-                  <a:ea typeface="Microsoft GothicNeo Light" panose="020B0300000101010101" pitchFamily="50" charset="-127"/>
-                  <a:cs typeface="Microsoft GothicNeo Light" panose="020B0300000101010101" pitchFamily="50" charset="-127"/>
-                </a:rPr>
-                <a:t>전멸 공격</a:t>
-              </a:r>
-            </a:p>
-          </p:txBody>
-        </p:sp>
-        <p:sp>
-          <p:nvSpPr>
-            <p:cNvPr id="24" name="화살표: 오른쪽 23">
-              <a:extLst>
-                <a:ext uri="{FF2B5EF4-FFF2-40B4-BE49-F238E27FC236}">
-                  <a16:creationId xmlns:a16="http://schemas.microsoft.com/office/drawing/2014/main" id="{C8333EBD-7CFC-817B-7FD8-F3FF861DDE8E}"/>
-                </a:ext>
-              </a:extLst>
-            </p:cNvPr>
-            <p:cNvSpPr/>
-            <p:nvPr/>
-          </p:nvSpPr>
-          <p:spPr>
-            <a:xfrm>
-              <a:off x="3193774" y="3732425"/>
-              <a:ext cx="1106720" cy="1244475"/>
-            </a:xfrm>
-            <a:prstGeom prst="rightArrow">
-              <a:avLst>
-                <a:gd name="adj1" fmla="val 50000"/>
-                <a:gd name="adj2" fmla="val 19651"/>
-              </a:avLst>
-            </a:prstGeom>
-          </p:spPr>
-          <p:style>
-            <a:lnRef idx="3">
-              <a:schemeClr val="lt1"/>
-            </a:lnRef>
-            <a:fillRef idx="1">
-              <a:schemeClr val="accent3"/>
-            </a:fillRef>
-            <a:effectRef idx="1">
-              <a:schemeClr val="accent3"/>
-            </a:effectRef>
-            <a:fontRef idx="minor">
-              <a:schemeClr val="lt1"/>
-            </a:fontRef>
-          </p:style>
-          <p:txBody>
-            <a:bodyPr rtlCol="0" anchor="ctr"/>
-            <a:lstStyle/>
-            <a:p>
-              <a:pPr algn="ctr"/>
-              <a:r>
-                <a:rPr lang="ko-KR" altLang="en-US" sz="1200" dirty="0">
-                  <a:latin typeface="Microsoft GothicNeo Light" panose="020B0300000101010101" pitchFamily="50" charset="-127"/>
-                  <a:ea typeface="Microsoft GothicNeo Light" panose="020B0300000101010101" pitchFamily="50" charset="-127"/>
-                  <a:cs typeface="Microsoft GothicNeo Light" panose="020B0300000101010101" pitchFamily="50" charset="-127"/>
-                </a:rPr>
-                <a:t>기본 상태</a:t>
-              </a:r>
-              <a:endParaRPr lang="en-US" altLang="ko-KR" sz="1200" dirty="0">
-                <a:latin typeface="Microsoft GothicNeo Light" panose="020B0300000101010101" pitchFamily="50" charset="-127"/>
-                <a:ea typeface="Microsoft GothicNeo Light" panose="020B0300000101010101" pitchFamily="50" charset="-127"/>
-                <a:cs typeface="Microsoft GothicNeo Light" panose="020B0300000101010101" pitchFamily="50" charset="-127"/>
-              </a:endParaRPr>
-            </a:p>
-          </p:txBody>
-        </p:sp>
-        <p:sp>
-          <p:nvSpPr>
-            <p:cNvPr id="25" name="화살표: 오른쪽 24">
-              <a:extLst>
-                <a:ext uri="{FF2B5EF4-FFF2-40B4-BE49-F238E27FC236}">
-                  <a16:creationId xmlns:a16="http://schemas.microsoft.com/office/drawing/2014/main" id="{C175879C-4C64-B347-FC56-8D306BEF54BB}"/>
-                </a:ext>
-              </a:extLst>
-            </p:cNvPr>
-            <p:cNvSpPr/>
-            <p:nvPr/>
-          </p:nvSpPr>
-          <p:spPr>
-            <a:xfrm>
-              <a:off x="4525458" y="3732425"/>
-              <a:ext cx="1166838" cy="1244475"/>
-            </a:xfrm>
-            <a:prstGeom prst="rightArrow">
-              <a:avLst>
-                <a:gd name="adj1" fmla="val 50000"/>
-                <a:gd name="adj2" fmla="val 19651"/>
-              </a:avLst>
-            </a:prstGeom>
-          </p:spPr>
-          <p:style>
-            <a:lnRef idx="3">
-              <a:schemeClr val="lt1"/>
-            </a:lnRef>
-            <a:fillRef idx="1">
-              <a:schemeClr val="accent3"/>
-            </a:fillRef>
-            <a:effectRef idx="1">
-              <a:schemeClr val="accent3"/>
-            </a:effectRef>
-            <a:fontRef idx="minor">
-              <a:schemeClr val="lt1"/>
-            </a:fontRef>
-          </p:style>
-          <p:txBody>
-            <a:bodyPr rtlCol="0" anchor="ctr"/>
-            <a:lstStyle/>
-            <a:p>
-              <a:pPr algn="ctr"/>
-              <a:r>
-                <a:rPr lang="ko-KR" altLang="en-US" sz="1200" dirty="0">
-                  <a:latin typeface="Microsoft GothicNeo Light" panose="020B0300000101010101" pitchFamily="50" charset="-127"/>
-                  <a:ea typeface="Microsoft GothicNeo Light" panose="020B0300000101010101" pitchFamily="50" charset="-127"/>
-                  <a:cs typeface="Microsoft GothicNeo Light" panose="020B0300000101010101" pitchFamily="50" charset="-127"/>
-                </a:rPr>
-                <a:t>분노 상태</a:t>
-              </a:r>
-              <a:endParaRPr lang="en-US" altLang="ko-KR" sz="1200" dirty="0">
-                <a:latin typeface="Microsoft GothicNeo Light" panose="020B0300000101010101" pitchFamily="50" charset="-127"/>
-                <a:ea typeface="Microsoft GothicNeo Light" panose="020B0300000101010101" pitchFamily="50" charset="-127"/>
-                <a:cs typeface="Microsoft GothicNeo Light" panose="020B0300000101010101" pitchFamily="50" charset="-127"/>
-              </a:endParaRPr>
-            </a:p>
-          </p:txBody>
-        </p:sp>
-        <p:sp>
-          <p:nvSpPr>
-            <p:cNvPr id="29" name="화살표: 오른쪽 28">
-              <a:extLst>
-                <a:ext uri="{FF2B5EF4-FFF2-40B4-BE49-F238E27FC236}">
-                  <a16:creationId xmlns:a16="http://schemas.microsoft.com/office/drawing/2014/main" id="{AB7F134B-86EA-C425-9813-F693DC4807BE}"/>
-                </a:ext>
-              </a:extLst>
-            </p:cNvPr>
-            <p:cNvSpPr/>
-            <p:nvPr/>
-          </p:nvSpPr>
-          <p:spPr>
-            <a:xfrm>
-              <a:off x="5908848" y="3732425"/>
-              <a:ext cx="1166838" cy="1244475"/>
-            </a:xfrm>
-            <a:prstGeom prst="rightArrow">
-              <a:avLst>
-                <a:gd name="adj1" fmla="val 50000"/>
-                <a:gd name="adj2" fmla="val 19651"/>
-              </a:avLst>
-            </a:prstGeom>
-          </p:spPr>
-          <p:style>
-            <a:lnRef idx="3">
-              <a:schemeClr val="lt1"/>
-            </a:lnRef>
-            <a:fillRef idx="1">
-              <a:schemeClr val="accent3"/>
-            </a:fillRef>
-            <a:effectRef idx="1">
-              <a:schemeClr val="accent3"/>
-            </a:effectRef>
-            <a:fontRef idx="minor">
-              <a:schemeClr val="lt1"/>
-            </a:fontRef>
-          </p:style>
-          <p:txBody>
-            <a:bodyPr rtlCol="0" anchor="ctr"/>
-            <a:lstStyle/>
-            <a:p>
-              <a:pPr algn="ctr"/>
-              <a:r>
-                <a:rPr lang="ko-KR" altLang="en-US" sz="1200" dirty="0">
-                  <a:latin typeface="Microsoft GothicNeo Light" panose="020B0300000101010101" pitchFamily="50" charset="-127"/>
-                  <a:ea typeface="Microsoft GothicNeo Light" panose="020B0300000101010101" pitchFamily="50" charset="-127"/>
-                  <a:cs typeface="Microsoft GothicNeo Light" panose="020B0300000101010101" pitchFamily="50" charset="-127"/>
-                </a:rPr>
-                <a:t>빈약 상태</a:t>
-              </a:r>
-              <a:endParaRPr lang="en-US" altLang="ko-KR" sz="1200" dirty="0">
-                <a:latin typeface="Microsoft GothicNeo Light" panose="020B0300000101010101" pitchFamily="50" charset="-127"/>
-                <a:ea typeface="Microsoft GothicNeo Light" panose="020B0300000101010101" pitchFamily="50" charset="-127"/>
-                <a:cs typeface="Microsoft GothicNeo Light" panose="020B0300000101010101" pitchFamily="50" charset="-127"/>
-              </a:endParaRPr>
-            </a:p>
-          </p:txBody>
-        </p:sp>
-        <p:sp>
-          <p:nvSpPr>
-            <p:cNvPr id="34" name="TextBox 33">
-              <a:extLst>
-                <a:ext uri="{FF2B5EF4-FFF2-40B4-BE49-F238E27FC236}">
-                  <a16:creationId xmlns:a16="http://schemas.microsoft.com/office/drawing/2014/main" id="{EBB11060-6AAC-0C67-0549-94F3F39932EC}"/>
-                </a:ext>
-              </a:extLst>
-            </p:cNvPr>
-            <p:cNvSpPr txBox="1"/>
-            <p:nvPr/>
-          </p:nvSpPr>
-          <p:spPr>
-            <a:xfrm>
-              <a:off x="1746563" y="1288658"/>
-              <a:ext cx="2747868" cy="369332"/>
-            </a:xfrm>
-            <a:prstGeom prst="rect">
-              <a:avLst/>
-            </a:prstGeom>
-            <a:noFill/>
-          </p:spPr>
-          <p:txBody>
-            <a:bodyPr wrap="none" rtlCol="0">
-              <a:spAutoFit/>
-            </a:bodyPr>
-            <a:lstStyle/>
-            <a:p>
-              <a:r>
-                <a:rPr lang="ko-KR" altLang="en-US" dirty="0">
-                  <a:latin typeface="Microsoft GothicNeo Light" panose="020B0300000101010101" pitchFamily="50" charset="-127"/>
-                  <a:ea typeface="Microsoft GothicNeo Light" panose="020B0300000101010101" pitchFamily="50" charset="-127"/>
-                  <a:cs typeface="Microsoft GothicNeo Light" panose="020B0300000101010101" pitchFamily="50" charset="-127"/>
-                </a:rPr>
-                <a:t>보스 레이드 패턴 기본 구성</a:t>
-              </a:r>
-            </a:p>
-          </p:txBody>
-        </p:sp>
-      </p:grpSp>
-      <p:grpSp>
-        <p:nvGrpSpPr>
           <p:cNvPr id="36" name="그룹 35">
             <a:extLst>
               <a:ext uri="{FF2B5EF4-FFF2-40B4-BE49-F238E27FC236}">
@@ -4554,7 +3721,7 @@
                   <a:ea typeface="Microsoft GothicNeo Light" panose="020B0300000101010101" pitchFamily="50" charset="-127"/>
                   <a:cs typeface="Microsoft GothicNeo Light" panose="020B0300000101010101" pitchFamily="50" charset="-127"/>
                 </a:rPr>
-                <a:t>리스폰구역</a:t>
+                <a:t>스폰구역</a:t>
               </a:r>
               <a:endParaRPr lang="ko-KR" altLang="en-US" dirty="0">
                 <a:latin typeface="Microsoft GothicNeo Light" panose="020B0300000101010101" pitchFamily="50" charset="-127"/>
@@ -4705,7 +3872,7 @@
                   <a:ea typeface="Microsoft GothicNeo Light" panose="020B0300000101010101" pitchFamily="50" charset="-127"/>
                   <a:cs typeface="Microsoft GothicNeo Light" panose="020B0300000101010101" pitchFamily="50" charset="-127"/>
                 </a:rPr>
-                <a:t>보스 레이드 지도 기본 구성</a:t>
+                <a:t>보스 레이드 지형 기본 구성</a:t>
               </a:r>
             </a:p>
           </p:txBody>
@@ -5029,6 +4196,1005 @@
           </a:p>
         </p:txBody>
       </p:sp>
+      <p:grpSp>
+        <p:nvGrpSpPr>
+          <p:cNvPr id="5" name="그룹 4">
+            <a:extLst>
+              <a:ext uri="{FF2B5EF4-FFF2-40B4-BE49-F238E27FC236}">
+                <a16:creationId xmlns:a16="http://schemas.microsoft.com/office/drawing/2014/main" id="{1A665CB6-31E8-EFBF-08A9-4D3A27517340}"/>
+              </a:ext>
+            </a:extLst>
+          </p:cNvPr>
+          <p:cNvGrpSpPr/>
+          <p:nvPr/>
+        </p:nvGrpSpPr>
+        <p:grpSpPr>
+          <a:xfrm>
+            <a:off x="1746563" y="1288658"/>
+            <a:ext cx="5329123" cy="4231511"/>
+            <a:chOff x="1746563" y="1288658"/>
+            <a:chExt cx="5329123" cy="4231511"/>
+          </a:xfrm>
+        </p:grpSpPr>
+        <p:cxnSp>
+          <p:nvCxnSpPr>
+            <p:cNvPr id="17" name="직선 연결선 16">
+              <a:extLst>
+                <a:ext uri="{FF2B5EF4-FFF2-40B4-BE49-F238E27FC236}">
+                  <a16:creationId xmlns:a16="http://schemas.microsoft.com/office/drawing/2014/main" id="{7AE20303-0709-1FFE-0FA1-322775D1EC2D}"/>
+                </a:ext>
+              </a:extLst>
+            </p:cNvPr>
+            <p:cNvCxnSpPr/>
+            <p:nvPr/>
+          </p:nvCxnSpPr>
+          <p:spPr>
+            <a:xfrm>
+              <a:off x="5804777" y="2120348"/>
+              <a:ext cx="0" cy="1371600"/>
+            </a:xfrm>
+            <a:prstGeom prst="line">
+              <a:avLst/>
+            </a:prstGeom>
+            <a:ln w="101600">
+              <a:solidFill>
+                <a:schemeClr val="tx1"/>
+              </a:solidFill>
+            </a:ln>
+          </p:spPr>
+          <p:style>
+            <a:lnRef idx="1">
+              <a:schemeClr val="accent1"/>
+            </a:lnRef>
+            <a:fillRef idx="0">
+              <a:schemeClr val="accent1"/>
+            </a:fillRef>
+            <a:effectRef idx="0">
+              <a:schemeClr val="accent1"/>
+            </a:effectRef>
+            <a:fontRef idx="minor">
+              <a:schemeClr val="tx1"/>
+            </a:fontRef>
+          </p:style>
+        </p:cxnSp>
+        <p:sp>
+          <p:nvSpPr>
+            <p:cNvPr id="3" name="사각형: 둥근 모서리 2">
+              <a:extLst>
+                <a:ext uri="{FF2B5EF4-FFF2-40B4-BE49-F238E27FC236}">
+                  <a16:creationId xmlns:a16="http://schemas.microsoft.com/office/drawing/2014/main" id="{F14B23AE-187E-BD46-7E44-975C41372CDD}"/>
+                </a:ext>
+              </a:extLst>
+            </p:cNvPr>
+            <p:cNvSpPr/>
+            <p:nvPr/>
+          </p:nvSpPr>
+          <p:spPr>
+            <a:xfrm>
+              <a:off x="1752068" y="2313005"/>
+              <a:ext cx="1334729" cy="886894"/>
+            </a:xfrm>
+            <a:prstGeom prst="roundRect">
+              <a:avLst/>
+            </a:prstGeom>
+          </p:spPr>
+          <p:style>
+            <a:lnRef idx="3">
+              <a:schemeClr val="lt1"/>
+            </a:lnRef>
+            <a:fillRef idx="1">
+              <a:schemeClr val="accent3"/>
+            </a:fillRef>
+            <a:effectRef idx="1">
+              <a:schemeClr val="accent3"/>
+            </a:effectRef>
+            <a:fontRef idx="minor">
+              <a:schemeClr val="lt1"/>
+            </a:fontRef>
+          </p:style>
+          <p:txBody>
+            <a:bodyPr rtlCol="0" anchor="ctr"/>
+            <a:lstStyle/>
+            <a:p>
+              <a:pPr algn="ctr"/>
+              <a:r>
+                <a:rPr lang="ko-KR" altLang="en-US" dirty="0">
+                  <a:latin typeface="Microsoft GothicNeo Light" panose="020B0300000101010101" pitchFamily="50" charset="-127"/>
+                  <a:ea typeface="Microsoft GothicNeo Light" panose="020B0300000101010101" pitchFamily="50" charset="-127"/>
+                  <a:cs typeface="Microsoft GothicNeo Light" panose="020B0300000101010101" pitchFamily="50" charset="-127"/>
+                </a:rPr>
+                <a:t>시간</a:t>
+              </a:r>
+            </a:p>
+          </p:txBody>
+        </p:sp>
+        <p:sp>
+          <p:nvSpPr>
+            <p:cNvPr id="10" name="사각형: 둥근 모서리 9">
+              <a:extLst>
+                <a:ext uri="{FF2B5EF4-FFF2-40B4-BE49-F238E27FC236}">
+                  <a16:creationId xmlns:a16="http://schemas.microsoft.com/office/drawing/2014/main" id="{3F6928E2-26ED-F016-DE05-E40B7E340638}"/>
+                </a:ext>
+              </a:extLst>
+            </p:cNvPr>
+            <p:cNvSpPr/>
+            <p:nvPr/>
+          </p:nvSpPr>
+          <p:spPr>
+            <a:xfrm>
+              <a:off x="1746563" y="3911215"/>
+              <a:ext cx="1334729" cy="886894"/>
+            </a:xfrm>
+            <a:prstGeom prst="roundRect">
+              <a:avLst/>
+            </a:prstGeom>
+          </p:spPr>
+          <p:style>
+            <a:lnRef idx="3">
+              <a:schemeClr val="lt1"/>
+            </a:lnRef>
+            <a:fillRef idx="1">
+              <a:schemeClr val="accent3"/>
+            </a:fillRef>
+            <a:effectRef idx="1">
+              <a:schemeClr val="accent3"/>
+            </a:effectRef>
+            <a:fontRef idx="minor">
+              <a:schemeClr val="lt1"/>
+            </a:fontRef>
+          </p:style>
+          <p:txBody>
+            <a:bodyPr rtlCol="0" anchor="ctr"/>
+            <a:lstStyle/>
+            <a:p>
+              <a:pPr algn="ctr"/>
+              <a:r>
+                <a:rPr lang="ko-KR" altLang="en-US" dirty="0"/>
+                <a:t>체력</a:t>
+              </a:r>
+            </a:p>
+          </p:txBody>
+        </p:sp>
+        <p:cxnSp>
+          <p:nvCxnSpPr>
+            <p:cNvPr id="12" name="직선 연결선 11">
+              <a:extLst>
+                <a:ext uri="{FF2B5EF4-FFF2-40B4-BE49-F238E27FC236}">
+                  <a16:creationId xmlns:a16="http://schemas.microsoft.com/office/drawing/2014/main" id="{5874CF0A-215A-E8DD-DD58-85269429CF5F}"/>
+                </a:ext>
+              </a:extLst>
+            </p:cNvPr>
+            <p:cNvCxnSpPr/>
+            <p:nvPr/>
+          </p:nvCxnSpPr>
+          <p:spPr>
+            <a:xfrm>
+              <a:off x="4412975" y="2120348"/>
+              <a:ext cx="0" cy="1371600"/>
+            </a:xfrm>
+            <a:prstGeom prst="line">
+              <a:avLst/>
+            </a:prstGeom>
+            <a:ln w="101600">
+              <a:solidFill>
+                <a:schemeClr val="tx1"/>
+              </a:solidFill>
+            </a:ln>
+          </p:spPr>
+          <p:style>
+            <a:lnRef idx="1">
+              <a:schemeClr val="accent1"/>
+            </a:lnRef>
+            <a:fillRef idx="0">
+              <a:schemeClr val="accent1"/>
+            </a:fillRef>
+            <a:effectRef idx="0">
+              <a:schemeClr val="accent1"/>
+            </a:effectRef>
+            <a:fontRef idx="minor">
+              <a:schemeClr val="tx1"/>
+            </a:fontRef>
+          </p:style>
+        </p:cxnSp>
+        <p:sp>
+          <p:nvSpPr>
+            <p:cNvPr id="13" name="화살표: 오른쪽 12">
+              <a:extLst>
+                <a:ext uri="{FF2B5EF4-FFF2-40B4-BE49-F238E27FC236}">
+                  <a16:creationId xmlns:a16="http://schemas.microsoft.com/office/drawing/2014/main" id="{90A990A0-43B9-4047-941D-797823849EDB}"/>
+                </a:ext>
+              </a:extLst>
+            </p:cNvPr>
+            <p:cNvSpPr/>
+            <p:nvPr/>
+          </p:nvSpPr>
+          <p:spPr>
+            <a:xfrm>
+              <a:off x="3193775" y="2193235"/>
+              <a:ext cx="1149626" cy="468433"/>
+            </a:xfrm>
+            <a:prstGeom prst="rightArrow">
+              <a:avLst/>
+            </a:prstGeom>
+          </p:spPr>
+          <p:style>
+            <a:lnRef idx="3">
+              <a:schemeClr val="lt1"/>
+            </a:lnRef>
+            <a:fillRef idx="1">
+              <a:schemeClr val="accent3"/>
+            </a:fillRef>
+            <a:effectRef idx="1">
+              <a:schemeClr val="accent3"/>
+            </a:effectRef>
+            <a:fontRef idx="minor">
+              <a:schemeClr val="lt1"/>
+            </a:fontRef>
+          </p:style>
+          <p:txBody>
+            <a:bodyPr rtlCol="0" anchor="ctr"/>
+            <a:lstStyle/>
+            <a:p>
+              <a:pPr algn="ctr"/>
+              <a:r>
+                <a:rPr lang="ko-KR" altLang="en-US" sz="1200" dirty="0">
+                  <a:latin typeface="Microsoft GothicNeo Light" panose="020B0300000101010101" pitchFamily="50" charset="-127"/>
+                  <a:ea typeface="Microsoft GothicNeo Light" panose="020B0300000101010101" pitchFamily="50" charset="-127"/>
+                  <a:cs typeface="Microsoft GothicNeo Light" panose="020B0300000101010101" pitchFamily="50" charset="-127"/>
+                </a:rPr>
+                <a:t>최상위권</a:t>
+              </a:r>
+            </a:p>
+          </p:txBody>
+        </p:sp>
+        <p:sp>
+          <p:nvSpPr>
+            <p:cNvPr id="14" name="TextBox 13">
+              <a:extLst>
+                <a:ext uri="{FF2B5EF4-FFF2-40B4-BE49-F238E27FC236}">
+                  <a16:creationId xmlns:a16="http://schemas.microsoft.com/office/drawing/2014/main" id="{12324DE0-41BC-207A-6242-C7FBA89C08A1}"/>
+                </a:ext>
+              </a:extLst>
+            </p:cNvPr>
+            <p:cNvSpPr txBox="1"/>
+            <p:nvPr/>
+          </p:nvSpPr>
+          <p:spPr>
+            <a:xfrm>
+              <a:off x="3915692" y="1729842"/>
+              <a:ext cx="1031051" cy="369332"/>
+            </a:xfrm>
+            <a:prstGeom prst="rect">
+              <a:avLst/>
+            </a:prstGeom>
+            <a:noFill/>
+          </p:spPr>
+          <p:txBody>
+            <a:bodyPr wrap="none" rtlCol="0">
+              <a:spAutoFit/>
+            </a:bodyPr>
+            <a:lstStyle/>
+            <a:p>
+              <a:pPr algn="ctr"/>
+              <a:r>
+                <a:rPr lang="ko-KR" altLang="en-US" dirty="0">
+                  <a:latin typeface="Microsoft GothicNeo Light" panose="020B0300000101010101" pitchFamily="50" charset="-127"/>
+                  <a:ea typeface="Microsoft GothicNeo Light" panose="020B0300000101010101" pitchFamily="50" charset="-127"/>
+                  <a:cs typeface="Microsoft GothicNeo Light" panose="020B0300000101010101" pitchFamily="50" charset="-127"/>
+                </a:rPr>
+                <a:t>전멸공격</a:t>
+              </a:r>
+            </a:p>
+          </p:txBody>
+        </p:sp>
+        <p:sp>
+          <p:nvSpPr>
+            <p:cNvPr id="15" name="화살표: 오른쪽 14">
+              <a:extLst>
+                <a:ext uri="{FF2B5EF4-FFF2-40B4-BE49-F238E27FC236}">
+                  <a16:creationId xmlns:a16="http://schemas.microsoft.com/office/drawing/2014/main" id="{C0CA95FB-72A6-EA82-3EAA-79016C4D2778}"/>
+                </a:ext>
+              </a:extLst>
+            </p:cNvPr>
+            <p:cNvSpPr/>
+            <p:nvPr/>
+          </p:nvSpPr>
+          <p:spPr>
+            <a:xfrm>
+              <a:off x="3193775" y="2522236"/>
+              <a:ext cx="2715074" cy="468433"/>
+            </a:xfrm>
+            <a:prstGeom prst="rightArrow">
+              <a:avLst/>
+            </a:prstGeom>
+          </p:spPr>
+          <p:style>
+            <a:lnRef idx="3">
+              <a:schemeClr val="lt1"/>
+            </a:lnRef>
+            <a:fillRef idx="1">
+              <a:schemeClr val="accent3"/>
+            </a:fillRef>
+            <a:effectRef idx="1">
+              <a:schemeClr val="accent3"/>
+            </a:effectRef>
+            <a:fontRef idx="minor">
+              <a:schemeClr val="lt1"/>
+            </a:fontRef>
+          </p:style>
+          <p:txBody>
+            <a:bodyPr rtlCol="0" anchor="ctr"/>
+            <a:lstStyle/>
+            <a:p>
+              <a:pPr algn="ctr"/>
+              <a:r>
+                <a:rPr lang="ko-KR" altLang="en-US" sz="1200" dirty="0">
+                  <a:latin typeface="Microsoft GothicNeo Light" panose="020B0300000101010101" pitchFamily="50" charset="-127"/>
+                  <a:ea typeface="Microsoft GothicNeo Light" panose="020B0300000101010101" pitchFamily="50" charset="-127"/>
+                  <a:cs typeface="Microsoft GothicNeo Light" panose="020B0300000101010101" pitchFamily="50" charset="-127"/>
+                </a:rPr>
+                <a:t>중위권</a:t>
+              </a:r>
+            </a:p>
+          </p:txBody>
+        </p:sp>
+        <p:sp>
+          <p:nvSpPr>
+            <p:cNvPr id="18" name="TextBox 17">
+              <a:extLst>
+                <a:ext uri="{FF2B5EF4-FFF2-40B4-BE49-F238E27FC236}">
+                  <a16:creationId xmlns:a16="http://schemas.microsoft.com/office/drawing/2014/main" id="{4867F4F5-B54B-4185-3D37-0E40B565697F}"/>
+                </a:ext>
+              </a:extLst>
+            </p:cNvPr>
+            <p:cNvSpPr txBox="1"/>
+            <p:nvPr/>
+          </p:nvSpPr>
+          <p:spPr>
+            <a:xfrm>
+              <a:off x="5284255" y="1729842"/>
+              <a:ext cx="1031051" cy="369332"/>
+            </a:xfrm>
+            <a:prstGeom prst="rect">
+              <a:avLst/>
+            </a:prstGeom>
+            <a:noFill/>
+          </p:spPr>
+          <p:txBody>
+            <a:bodyPr wrap="none" rtlCol="0">
+              <a:spAutoFit/>
+            </a:bodyPr>
+            <a:lstStyle/>
+            <a:p>
+              <a:pPr algn="ctr"/>
+              <a:r>
+                <a:rPr lang="ko-KR" altLang="en-US" dirty="0">
+                  <a:latin typeface="Microsoft GothicNeo Light" panose="020B0300000101010101" pitchFamily="50" charset="-127"/>
+                  <a:ea typeface="Microsoft GothicNeo Light" panose="020B0300000101010101" pitchFamily="50" charset="-127"/>
+                  <a:cs typeface="Microsoft GothicNeo Light" panose="020B0300000101010101" pitchFamily="50" charset="-127"/>
+                </a:rPr>
+                <a:t>전멸공격</a:t>
+              </a:r>
+            </a:p>
+          </p:txBody>
+        </p:sp>
+        <p:sp>
+          <p:nvSpPr>
+            <p:cNvPr id="19" name="화살표: 오른쪽 18">
+              <a:extLst>
+                <a:ext uri="{FF2B5EF4-FFF2-40B4-BE49-F238E27FC236}">
+                  <a16:creationId xmlns:a16="http://schemas.microsoft.com/office/drawing/2014/main" id="{CDE9F679-C0A7-841A-5BE3-6085F9DB861D}"/>
+                </a:ext>
+              </a:extLst>
+            </p:cNvPr>
+            <p:cNvSpPr/>
+            <p:nvPr/>
+          </p:nvSpPr>
+          <p:spPr>
+            <a:xfrm>
+              <a:off x="3193773" y="2851237"/>
+              <a:ext cx="3881907" cy="468433"/>
+            </a:xfrm>
+            <a:prstGeom prst="rightArrow">
+              <a:avLst/>
+            </a:prstGeom>
+          </p:spPr>
+          <p:style>
+            <a:lnRef idx="3">
+              <a:schemeClr val="lt1"/>
+            </a:lnRef>
+            <a:fillRef idx="1">
+              <a:schemeClr val="accent3"/>
+            </a:fillRef>
+            <a:effectRef idx="1">
+              <a:schemeClr val="accent3"/>
+            </a:effectRef>
+            <a:fontRef idx="minor">
+              <a:schemeClr val="lt1"/>
+            </a:fontRef>
+          </p:style>
+          <p:txBody>
+            <a:bodyPr rtlCol="0" anchor="ctr"/>
+            <a:lstStyle/>
+            <a:p>
+              <a:pPr algn="ctr"/>
+              <a:r>
+                <a:rPr lang="ko-KR" altLang="en-US" sz="1200" dirty="0">
+                  <a:latin typeface="Microsoft GothicNeo Light" panose="020B0300000101010101" pitchFamily="50" charset="-127"/>
+                  <a:ea typeface="Microsoft GothicNeo Light" panose="020B0300000101010101" pitchFamily="50" charset="-127"/>
+                  <a:cs typeface="Microsoft GothicNeo Light" panose="020B0300000101010101" pitchFamily="50" charset="-127"/>
+                </a:rPr>
+                <a:t>하위권</a:t>
+              </a:r>
+            </a:p>
+          </p:txBody>
+        </p:sp>
+        <p:cxnSp>
+          <p:nvCxnSpPr>
+            <p:cNvPr id="20" name="직선 연결선 19">
+              <a:extLst>
+                <a:ext uri="{FF2B5EF4-FFF2-40B4-BE49-F238E27FC236}">
+                  <a16:creationId xmlns:a16="http://schemas.microsoft.com/office/drawing/2014/main" id="{EC85C92A-146A-7987-9D09-5779EF8FBBB0}"/>
+                </a:ext>
+              </a:extLst>
+            </p:cNvPr>
+            <p:cNvCxnSpPr>
+              <a:cxnSpLocks/>
+            </p:cNvCxnSpPr>
+            <p:nvPr/>
+          </p:nvCxnSpPr>
+          <p:spPr>
+            <a:xfrm>
+              <a:off x="4412975" y="3668862"/>
+              <a:ext cx="0" cy="1371600"/>
+            </a:xfrm>
+            <a:prstGeom prst="line">
+              <a:avLst/>
+            </a:prstGeom>
+            <a:ln w="101600">
+              <a:solidFill>
+                <a:schemeClr val="tx1"/>
+              </a:solidFill>
+            </a:ln>
+          </p:spPr>
+          <p:style>
+            <a:lnRef idx="1">
+              <a:schemeClr val="accent1"/>
+            </a:lnRef>
+            <a:fillRef idx="0">
+              <a:schemeClr val="accent1"/>
+            </a:fillRef>
+            <a:effectRef idx="0">
+              <a:schemeClr val="accent1"/>
+            </a:effectRef>
+            <a:fontRef idx="minor">
+              <a:schemeClr val="tx1"/>
+            </a:fontRef>
+          </p:style>
+        </p:cxnSp>
+        <p:sp>
+          <p:nvSpPr>
+            <p:cNvPr id="21" name="TextBox 20">
+              <a:extLst>
+                <a:ext uri="{FF2B5EF4-FFF2-40B4-BE49-F238E27FC236}">
+                  <a16:creationId xmlns:a16="http://schemas.microsoft.com/office/drawing/2014/main" id="{07456980-E6F5-2217-0E1B-9D70E6CE2DA8}"/>
+                </a:ext>
+              </a:extLst>
+            </p:cNvPr>
+            <p:cNvSpPr txBox="1"/>
+            <p:nvPr/>
+          </p:nvSpPr>
+          <p:spPr>
+            <a:xfrm>
+              <a:off x="3915692" y="5150837"/>
+              <a:ext cx="984565" cy="369332"/>
+            </a:xfrm>
+            <a:prstGeom prst="rect">
+              <a:avLst/>
+            </a:prstGeom>
+            <a:noFill/>
+          </p:spPr>
+          <p:txBody>
+            <a:bodyPr wrap="none" rtlCol="0">
+              <a:spAutoFit/>
+            </a:bodyPr>
+            <a:lstStyle/>
+            <a:p>
+              <a:pPr algn="ctr"/>
+              <a:r>
+                <a:rPr lang="ko-KR" altLang="en-US" dirty="0" err="1">
+                  <a:latin typeface="Microsoft GothicNeo Light" panose="020B0300000101010101" pitchFamily="50" charset="-127"/>
+                  <a:ea typeface="Microsoft GothicNeo Light" panose="020B0300000101010101" pitchFamily="50" charset="-127"/>
+                  <a:cs typeface="Microsoft GothicNeo Light" panose="020B0300000101010101" pitchFamily="50" charset="-127"/>
+                </a:rPr>
+                <a:t>페이즈</a:t>
+              </a:r>
+              <a:r>
+                <a:rPr lang="ko-KR" altLang="en-US" dirty="0">
+                  <a:latin typeface="Microsoft GothicNeo Light" panose="020B0300000101010101" pitchFamily="50" charset="-127"/>
+                  <a:ea typeface="Microsoft GothicNeo Light" panose="020B0300000101010101" pitchFamily="50" charset="-127"/>
+                  <a:cs typeface="Microsoft GothicNeo Light" panose="020B0300000101010101" pitchFamily="50" charset="-127"/>
+                </a:rPr>
+                <a:t> </a:t>
+              </a:r>
+              <a:r>
+                <a:rPr lang="en-US" altLang="ko-KR" dirty="0">
+                  <a:latin typeface="Microsoft GothicNeo Light" panose="020B0300000101010101" pitchFamily="50" charset="-127"/>
+                  <a:ea typeface="Microsoft GothicNeo Light" panose="020B0300000101010101" pitchFamily="50" charset="-127"/>
+                  <a:cs typeface="Microsoft GothicNeo Light" panose="020B0300000101010101" pitchFamily="50" charset="-127"/>
+                </a:rPr>
+                <a:t>1</a:t>
+              </a:r>
+              <a:endParaRPr lang="ko-KR" altLang="en-US" dirty="0">
+                <a:latin typeface="Microsoft GothicNeo Light" panose="020B0300000101010101" pitchFamily="50" charset="-127"/>
+                <a:ea typeface="Microsoft GothicNeo Light" panose="020B0300000101010101" pitchFamily="50" charset="-127"/>
+                <a:cs typeface="Microsoft GothicNeo Light" panose="020B0300000101010101" pitchFamily="50" charset="-127"/>
+              </a:endParaRPr>
+            </a:p>
+          </p:txBody>
+        </p:sp>
+        <p:cxnSp>
+          <p:nvCxnSpPr>
+            <p:cNvPr id="22" name="직선 연결선 21">
+              <a:extLst>
+                <a:ext uri="{FF2B5EF4-FFF2-40B4-BE49-F238E27FC236}">
+                  <a16:creationId xmlns:a16="http://schemas.microsoft.com/office/drawing/2014/main" id="{89BD3E67-BAAA-BD7B-D325-8910AA0F077B}"/>
+                </a:ext>
+              </a:extLst>
+            </p:cNvPr>
+            <p:cNvCxnSpPr>
+              <a:cxnSpLocks/>
+            </p:cNvCxnSpPr>
+            <p:nvPr/>
+          </p:nvCxnSpPr>
+          <p:spPr>
+            <a:xfrm>
+              <a:off x="5804777" y="3668862"/>
+              <a:ext cx="0" cy="1371600"/>
+            </a:xfrm>
+            <a:prstGeom prst="line">
+              <a:avLst/>
+            </a:prstGeom>
+            <a:ln w="101600">
+              <a:solidFill>
+                <a:schemeClr val="tx1"/>
+              </a:solidFill>
+            </a:ln>
+          </p:spPr>
+          <p:style>
+            <a:lnRef idx="1">
+              <a:schemeClr val="accent1"/>
+            </a:lnRef>
+            <a:fillRef idx="0">
+              <a:schemeClr val="accent1"/>
+            </a:fillRef>
+            <a:effectRef idx="0">
+              <a:schemeClr val="accent1"/>
+            </a:effectRef>
+            <a:fontRef idx="minor">
+              <a:schemeClr val="tx1"/>
+            </a:fontRef>
+          </p:style>
+        </p:cxnSp>
+        <p:sp>
+          <p:nvSpPr>
+            <p:cNvPr id="23" name="TextBox 22">
+              <a:extLst>
+                <a:ext uri="{FF2B5EF4-FFF2-40B4-BE49-F238E27FC236}">
+                  <a16:creationId xmlns:a16="http://schemas.microsoft.com/office/drawing/2014/main" id="{C875B502-DF19-A844-82DA-4C2AB9662E57}"/>
+                </a:ext>
+              </a:extLst>
+            </p:cNvPr>
+            <p:cNvSpPr txBox="1"/>
+            <p:nvPr/>
+          </p:nvSpPr>
+          <p:spPr>
+            <a:xfrm>
+              <a:off x="5297877" y="5150837"/>
+              <a:ext cx="1003801" cy="369332"/>
+            </a:xfrm>
+            <a:prstGeom prst="rect">
+              <a:avLst/>
+            </a:prstGeom>
+            <a:noFill/>
+          </p:spPr>
+          <p:txBody>
+            <a:bodyPr wrap="none" rtlCol="0">
+              <a:spAutoFit/>
+            </a:bodyPr>
+            <a:lstStyle/>
+            <a:p>
+              <a:pPr algn="ctr"/>
+              <a:r>
+                <a:rPr lang="ko-KR" altLang="en-US" dirty="0" err="1">
+                  <a:latin typeface="Microsoft GothicNeo Light" panose="020B0300000101010101" pitchFamily="50" charset="-127"/>
+                  <a:ea typeface="Microsoft GothicNeo Light" panose="020B0300000101010101" pitchFamily="50" charset="-127"/>
+                  <a:cs typeface="Microsoft GothicNeo Light" panose="020B0300000101010101" pitchFamily="50" charset="-127"/>
+                </a:rPr>
+                <a:t>페이즈</a:t>
+              </a:r>
+              <a:r>
+                <a:rPr lang="en-US" altLang="ko-KR" dirty="0">
+                  <a:latin typeface="Microsoft GothicNeo Light" panose="020B0300000101010101" pitchFamily="50" charset="-127"/>
+                  <a:ea typeface="Microsoft GothicNeo Light" panose="020B0300000101010101" pitchFamily="50" charset="-127"/>
+                  <a:cs typeface="Microsoft GothicNeo Light" panose="020B0300000101010101" pitchFamily="50" charset="-127"/>
+                </a:rPr>
+                <a:t> 2</a:t>
+              </a:r>
+              <a:endParaRPr lang="ko-KR" altLang="en-US" dirty="0">
+                <a:latin typeface="Microsoft GothicNeo Light" panose="020B0300000101010101" pitchFamily="50" charset="-127"/>
+                <a:ea typeface="Microsoft GothicNeo Light" panose="020B0300000101010101" pitchFamily="50" charset="-127"/>
+                <a:cs typeface="Microsoft GothicNeo Light" panose="020B0300000101010101" pitchFamily="50" charset="-127"/>
+              </a:endParaRPr>
+            </a:p>
+          </p:txBody>
+        </p:sp>
+        <p:sp>
+          <p:nvSpPr>
+            <p:cNvPr id="24" name="화살표: 오른쪽 23">
+              <a:extLst>
+                <a:ext uri="{FF2B5EF4-FFF2-40B4-BE49-F238E27FC236}">
+                  <a16:creationId xmlns:a16="http://schemas.microsoft.com/office/drawing/2014/main" id="{C8333EBD-7CFC-817B-7FD8-F3FF861DDE8E}"/>
+                </a:ext>
+              </a:extLst>
+            </p:cNvPr>
+            <p:cNvSpPr/>
+            <p:nvPr/>
+          </p:nvSpPr>
+          <p:spPr>
+            <a:xfrm>
+              <a:off x="3193774" y="3732425"/>
+              <a:ext cx="1106720" cy="1244475"/>
+            </a:xfrm>
+            <a:prstGeom prst="rightArrow">
+              <a:avLst>
+                <a:gd name="adj1" fmla="val 50000"/>
+                <a:gd name="adj2" fmla="val 19651"/>
+              </a:avLst>
+            </a:prstGeom>
+          </p:spPr>
+          <p:style>
+            <a:lnRef idx="3">
+              <a:schemeClr val="lt1"/>
+            </a:lnRef>
+            <a:fillRef idx="1">
+              <a:schemeClr val="accent3"/>
+            </a:fillRef>
+            <a:effectRef idx="1">
+              <a:schemeClr val="accent3"/>
+            </a:effectRef>
+            <a:fontRef idx="minor">
+              <a:schemeClr val="lt1"/>
+            </a:fontRef>
+          </p:style>
+          <p:txBody>
+            <a:bodyPr rtlCol="0" anchor="ctr"/>
+            <a:lstStyle/>
+            <a:p>
+              <a:pPr algn="ctr"/>
+              <a:r>
+                <a:rPr lang="ko-KR" altLang="en-US" sz="1200" dirty="0">
+                  <a:latin typeface="Microsoft GothicNeo Light" panose="020B0300000101010101" pitchFamily="50" charset="-127"/>
+                  <a:ea typeface="Microsoft GothicNeo Light" panose="020B0300000101010101" pitchFamily="50" charset="-127"/>
+                  <a:cs typeface="Microsoft GothicNeo Light" panose="020B0300000101010101" pitchFamily="50" charset="-127"/>
+                </a:rPr>
+                <a:t>기본 상태</a:t>
+              </a:r>
+              <a:endParaRPr lang="en-US" altLang="ko-KR" sz="1200" dirty="0">
+                <a:latin typeface="Microsoft GothicNeo Light" panose="020B0300000101010101" pitchFamily="50" charset="-127"/>
+                <a:ea typeface="Microsoft GothicNeo Light" panose="020B0300000101010101" pitchFamily="50" charset="-127"/>
+                <a:cs typeface="Microsoft GothicNeo Light" panose="020B0300000101010101" pitchFamily="50" charset="-127"/>
+              </a:endParaRPr>
+            </a:p>
+          </p:txBody>
+        </p:sp>
+        <p:sp>
+          <p:nvSpPr>
+            <p:cNvPr id="25" name="화살표: 오른쪽 24">
+              <a:extLst>
+                <a:ext uri="{FF2B5EF4-FFF2-40B4-BE49-F238E27FC236}">
+                  <a16:creationId xmlns:a16="http://schemas.microsoft.com/office/drawing/2014/main" id="{C175879C-4C64-B347-FC56-8D306BEF54BB}"/>
+                </a:ext>
+              </a:extLst>
+            </p:cNvPr>
+            <p:cNvSpPr/>
+            <p:nvPr/>
+          </p:nvSpPr>
+          <p:spPr>
+            <a:xfrm>
+              <a:off x="4525458" y="3732425"/>
+              <a:ext cx="1166838" cy="1244475"/>
+            </a:xfrm>
+            <a:prstGeom prst="rightArrow">
+              <a:avLst>
+                <a:gd name="adj1" fmla="val 50000"/>
+                <a:gd name="adj2" fmla="val 19651"/>
+              </a:avLst>
+            </a:prstGeom>
+          </p:spPr>
+          <p:style>
+            <a:lnRef idx="3">
+              <a:schemeClr val="lt1"/>
+            </a:lnRef>
+            <a:fillRef idx="1">
+              <a:schemeClr val="accent3"/>
+            </a:fillRef>
+            <a:effectRef idx="1">
+              <a:schemeClr val="accent3"/>
+            </a:effectRef>
+            <a:fontRef idx="minor">
+              <a:schemeClr val="lt1"/>
+            </a:fontRef>
+          </p:style>
+          <p:txBody>
+            <a:bodyPr rtlCol="0" anchor="ctr"/>
+            <a:lstStyle/>
+            <a:p>
+              <a:pPr algn="ctr"/>
+              <a:r>
+                <a:rPr lang="ko-KR" altLang="en-US" sz="1200" dirty="0">
+                  <a:latin typeface="Microsoft GothicNeo Light" panose="020B0300000101010101" pitchFamily="50" charset="-127"/>
+                  <a:ea typeface="Microsoft GothicNeo Light" panose="020B0300000101010101" pitchFamily="50" charset="-127"/>
+                  <a:cs typeface="Microsoft GothicNeo Light" panose="020B0300000101010101" pitchFamily="50" charset="-127"/>
+                </a:rPr>
+                <a:t>분노 상태</a:t>
+              </a:r>
+              <a:endParaRPr lang="en-US" altLang="ko-KR" sz="1200" dirty="0">
+                <a:latin typeface="Microsoft GothicNeo Light" panose="020B0300000101010101" pitchFamily="50" charset="-127"/>
+                <a:ea typeface="Microsoft GothicNeo Light" panose="020B0300000101010101" pitchFamily="50" charset="-127"/>
+                <a:cs typeface="Microsoft GothicNeo Light" panose="020B0300000101010101" pitchFamily="50" charset="-127"/>
+              </a:endParaRPr>
+            </a:p>
+            <a:p>
+              <a:pPr algn="ctr"/>
+              <a:r>
+                <a:rPr lang="en-US" altLang="ko-KR" sz="800" dirty="0">
+                  <a:latin typeface="Microsoft GothicNeo Light" panose="020B0300000101010101" pitchFamily="50" charset="-127"/>
+                  <a:ea typeface="Microsoft GothicNeo Light" panose="020B0300000101010101" pitchFamily="50" charset="-127"/>
+                  <a:cs typeface="Microsoft GothicNeo Light" panose="020B0300000101010101" pitchFamily="50" charset="-127"/>
+                </a:rPr>
+                <a:t>( </a:t>
+              </a:r>
+              <a:r>
+                <a:rPr lang="ko-KR" altLang="en-US" sz="800" dirty="0">
+                  <a:latin typeface="Microsoft GothicNeo Light" panose="020B0300000101010101" pitchFamily="50" charset="-127"/>
+                  <a:ea typeface="Microsoft GothicNeo Light" panose="020B0300000101010101" pitchFamily="50" charset="-127"/>
+                  <a:cs typeface="Microsoft GothicNeo Light" panose="020B0300000101010101" pitchFamily="50" charset="-127"/>
+                </a:rPr>
+                <a:t>강하고 빠른 공격 </a:t>
+              </a:r>
+              <a:r>
+                <a:rPr lang="en-US" altLang="ko-KR" sz="800" dirty="0">
+                  <a:latin typeface="Microsoft GothicNeo Light" panose="020B0300000101010101" pitchFamily="50" charset="-127"/>
+                  <a:ea typeface="Microsoft GothicNeo Light" panose="020B0300000101010101" pitchFamily="50" charset="-127"/>
+                  <a:cs typeface="Microsoft GothicNeo Light" panose="020B0300000101010101" pitchFamily="50" charset="-127"/>
+                </a:rPr>
+                <a:t>)</a:t>
+              </a:r>
+            </a:p>
+          </p:txBody>
+        </p:sp>
+        <p:sp>
+          <p:nvSpPr>
+            <p:cNvPr id="29" name="화살표: 오른쪽 28">
+              <a:extLst>
+                <a:ext uri="{FF2B5EF4-FFF2-40B4-BE49-F238E27FC236}">
+                  <a16:creationId xmlns:a16="http://schemas.microsoft.com/office/drawing/2014/main" id="{AB7F134B-86EA-C425-9813-F693DC4807BE}"/>
+                </a:ext>
+              </a:extLst>
+            </p:cNvPr>
+            <p:cNvSpPr/>
+            <p:nvPr/>
+          </p:nvSpPr>
+          <p:spPr>
+            <a:xfrm>
+              <a:off x="5908848" y="3732425"/>
+              <a:ext cx="1166838" cy="1244475"/>
+            </a:xfrm>
+            <a:prstGeom prst="rightArrow">
+              <a:avLst>
+                <a:gd name="adj1" fmla="val 50000"/>
+                <a:gd name="adj2" fmla="val 19651"/>
+              </a:avLst>
+            </a:prstGeom>
+          </p:spPr>
+          <p:style>
+            <a:lnRef idx="3">
+              <a:schemeClr val="lt1"/>
+            </a:lnRef>
+            <a:fillRef idx="1">
+              <a:schemeClr val="accent3"/>
+            </a:fillRef>
+            <a:effectRef idx="1">
+              <a:schemeClr val="accent3"/>
+            </a:effectRef>
+            <a:fontRef idx="minor">
+              <a:schemeClr val="lt1"/>
+            </a:fontRef>
+          </p:style>
+          <p:txBody>
+            <a:bodyPr rtlCol="0" anchor="ctr"/>
+            <a:lstStyle/>
+            <a:p>
+              <a:pPr algn="ctr"/>
+              <a:r>
+                <a:rPr lang="ko-KR" altLang="en-US" sz="1200" dirty="0">
+                  <a:latin typeface="Microsoft GothicNeo Light" panose="020B0300000101010101" pitchFamily="50" charset="-127"/>
+                  <a:ea typeface="Microsoft GothicNeo Light" panose="020B0300000101010101" pitchFamily="50" charset="-127"/>
+                  <a:cs typeface="Microsoft GothicNeo Light" panose="020B0300000101010101" pitchFamily="50" charset="-127"/>
+                </a:rPr>
+                <a:t>빈약 상태</a:t>
+              </a:r>
+              <a:endParaRPr lang="en-US" altLang="ko-KR" sz="1200" dirty="0">
+                <a:latin typeface="Microsoft GothicNeo Light" panose="020B0300000101010101" pitchFamily="50" charset="-127"/>
+                <a:ea typeface="Microsoft GothicNeo Light" panose="020B0300000101010101" pitchFamily="50" charset="-127"/>
+                <a:cs typeface="Microsoft GothicNeo Light" panose="020B0300000101010101" pitchFamily="50" charset="-127"/>
+              </a:endParaRPr>
+            </a:p>
+            <a:p>
+              <a:pPr algn="ctr"/>
+              <a:r>
+                <a:rPr lang="en-US" altLang="ko-KR" sz="800" dirty="0">
+                  <a:latin typeface="Microsoft GothicNeo Light" panose="020B0300000101010101" pitchFamily="50" charset="-127"/>
+                  <a:ea typeface="Microsoft GothicNeo Light" panose="020B0300000101010101" pitchFamily="50" charset="-127"/>
+                  <a:cs typeface="Microsoft GothicNeo Light" panose="020B0300000101010101" pitchFamily="50" charset="-127"/>
+                </a:rPr>
+                <a:t>(</a:t>
+              </a:r>
+              <a:r>
+                <a:rPr lang="ko-KR" altLang="en-US" sz="800" dirty="0">
+                  <a:latin typeface="Microsoft GothicNeo Light" panose="020B0300000101010101" pitchFamily="50" charset="-127"/>
+                  <a:ea typeface="Microsoft GothicNeo Light" panose="020B0300000101010101" pitchFamily="50" charset="-127"/>
+                  <a:cs typeface="Microsoft GothicNeo Light" panose="020B0300000101010101" pitchFamily="50" charset="-127"/>
+                </a:rPr>
+                <a:t>공격 후 그로기 상태</a:t>
+              </a:r>
+              <a:r>
+                <a:rPr lang="en-US" altLang="ko-KR" sz="800" dirty="0">
+                  <a:latin typeface="Microsoft GothicNeo Light" panose="020B0300000101010101" pitchFamily="50" charset="-127"/>
+                  <a:ea typeface="Microsoft GothicNeo Light" panose="020B0300000101010101" pitchFamily="50" charset="-127"/>
+                  <a:cs typeface="Microsoft GothicNeo Light" panose="020B0300000101010101" pitchFamily="50" charset="-127"/>
+                </a:rPr>
+                <a:t>)</a:t>
+              </a:r>
+              <a:endParaRPr lang="en-US" altLang="ko-KR" sz="1200" dirty="0">
+                <a:latin typeface="Microsoft GothicNeo Light" panose="020B0300000101010101" pitchFamily="50" charset="-127"/>
+                <a:ea typeface="Microsoft GothicNeo Light" panose="020B0300000101010101" pitchFamily="50" charset="-127"/>
+                <a:cs typeface="Microsoft GothicNeo Light" panose="020B0300000101010101" pitchFamily="50" charset="-127"/>
+              </a:endParaRPr>
+            </a:p>
+          </p:txBody>
+        </p:sp>
+        <p:sp>
+          <p:nvSpPr>
+            <p:cNvPr id="34" name="TextBox 33">
+              <a:extLst>
+                <a:ext uri="{FF2B5EF4-FFF2-40B4-BE49-F238E27FC236}">
+                  <a16:creationId xmlns:a16="http://schemas.microsoft.com/office/drawing/2014/main" id="{EBB11060-6AAC-0C67-0549-94F3F39932EC}"/>
+                </a:ext>
+              </a:extLst>
+            </p:cNvPr>
+            <p:cNvSpPr txBox="1"/>
+            <p:nvPr/>
+          </p:nvSpPr>
+          <p:spPr>
+            <a:xfrm>
+              <a:off x="1746563" y="1288658"/>
+              <a:ext cx="2747868" cy="369332"/>
+            </a:xfrm>
+            <a:prstGeom prst="rect">
+              <a:avLst/>
+            </a:prstGeom>
+            <a:noFill/>
+          </p:spPr>
+          <p:txBody>
+            <a:bodyPr wrap="none" rtlCol="0">
+              <a:spAutoFit/>
+            </a:bodyPr>
+            <a:lstStyle/>
+            <a:p>
+              <a:r>
+                <a:rPr lang="ko-KR" altLang="en-US" dirty="0">
+                  <a:latin typeface="Microsoft GothicNeo Light" panose="020B0300000101010101" pitchFamily="50" charset="-127"/>
+                  <a:ea typeface="Microsoft GothicNeo Light" panose="020B0300000101010101" pitchFamily="50" charset="-127"/>
+                  <a:cs typeface="Microsoft GothicNeo Light" panose="020B0300000101010101" pitchFamily="50" charset="-127"/>
+                </a:rPr>
+                <a:t>보스 레이드 패턴 기본 구성</a:t>
+              </a:r>
+            </a:p>
+          </p:txBody>
+        </p:sp>
+        <p:sp>
+          <p:nvSpPr>
+            <p:cNvPr id="2" name="TextBox 1">
+              <a:extLst>
+                <a:ext uri="{FF2B5EF4-FFF2-40B4-BE49-F238E27FC236}">
+                  <a16:creationId xmlns:a16="http://schemas.microsoft.com/office/drawing/2014/main" id="{61045305-6E56-39F8-DC0D-2519E0F8A1FA}"/>
+                </a:ext>
+              </a:extLst>
+            </p:cNvPr>
+            <p:cNvSpPr txBox="1"/>
+            <p:nvPr/>
+          </p:nvSpPr>
+          <p:spPr>
+            <a:xfrm>
+              <a:off x="4402254" y="3847839"/>
+              <a:ext cx="664155" cy="230832"/>
+            </a:xfrm>
+            <a:prstGeom prst="rect">
+              <a:avLst/>
+            </a:prstGeom>
+            <a:noFill/>
+          </p:spPr>
+          <p:txBody>
+            <a:bodyPr wrap="square" rtlCol="0">
+              <a:spAutoFit/>
+            </a:bodyPr>
+            <a:lstStyle/>
+            <a:p>
+              <a:pPr algn="ctr"/>
+              <a:r>
+                <a:rPr lang="ko-KR" altLang="en-US" sz="900" dirty="0" err="1">
+                  <a:latin typeface="Microsoft GothicNeo Light" panose="020B0300000101010101" pitchFamily="50" charset="-127"/>
+                  <a:ea typeface="Microsoft GothicNeo Light" panose="020B0300000101010101" pitchFamily="50" charset="-127"/>
+                  <a:cs typeface="Microsoft GothicNeo Light" panose="020B0300000101010101" pitchFamily="50" charset="-127"/>
+                </a:rPr>
+                <a:t>기믹공격</a:t>
+              </a:r>
+              <a:endParaRPr lang="ko-KR" altLang="en-US" sz="900" dirty="0">
+                <a:latin typeface="Microsoft GothicNeo Light" panose="020B0300000101010101" pitchFamily="50" charset="-127"/>
+                <a:ea typeface="Microsoft GothicNeo Light" panose="020B0300000101010101" pitchFamily="50" charset="-127"/>
+                <a:cs typeface="Microsoft GothicNeo Light" panose="020B0300000101010101" pitchFamily="50" charset="-127"/>
+              </a:endParaRPr>
+            </a:p>
+          </p:txBody>
+        </p:sp>
+        <p:sp>
+          <p:nvSpPr>
+            <p:cNvPr id="4" name="TextBox 3">
+              <a:extLst>
+                <a:ext uri="{FF2B5EF4-FFF2-40B4-BE49-F238E27FC236}">
+                  <a16:creationId xmlns:a16="http://schemas.microsoft.com/office/drawing/2014/main" id="{1EB44720-5163-EED2-D468-184057BEFA68}"/>
+                </a:ext>
+              </a:extLst>
+            </p:cNvPr>
+            <p:cNvSpPr txBox="1"/>
+            <p:nvPr/>
+          </p:nvSpPr>
+          <p:spPr>
+            <a:xfrm>
+              <a:off x="5762310" y="3830395"/>
+              <a:ext cx="664155" cy="230832"/>
+            </a:xfrm>
+            <a:prstGeom prst="rect">
+              <a:avLst/>
+            </a:prstGeom>
+            <a:noFill/>
+          </p:spPr>
+          <p:txBody>
+            <a:bodyPr wrap="square" rtlCol="0">
+              <a:spAutoFit/>
+            </a:bodyPr>
+            <a:lstStyle/>
+            <a:p>
+              <a:pPr algn="ctr"/>
+              <a:r>
+                <a:rPr lang="ko-KR" altLang="en-US" sz="900" dirty="0" err="1">
+                  <a:latin typeface="Microsoft GothicNeo Light" panose="020B0300000101010101" pitchFamily="50" charset="-127"/>
+                  <a:ea typeface="Microsoft GothicNeo Light" panose="020B0300000101010101" pitchFamily="50" charset="-127"/>
+                  <a:cs typeface="Microsoft GothicNeo Light" panose="020B0300000101010101" pitchFamily="50" charset="-127"/>
+                </a:rPr>
+                <a:t>기믹공격</a:t>
+              </a:r>
+              <a:endParaRPr lang="ko-KR" altLang="en-US" sz="900" dirty="0">
+                <a:latin typeface="Microsoft GothicNeo Light" panose="020B0300000101010101" pitchFamily="50" charset="-127"/>
+                <a:ea typeface="Microsoft GothicNeo Light" panose="020B0300000101010101" pitchFamily="50" charset="-127"/>
+                <a:cs typeface="Microsoft GothicNeo Light" panose="020B0300000101010101" pitchFamily="50" charset="-127"/>
+              </a:endParaRPr>
+            </a:p>
+          </p:txBody>
+        </p:sp>
+      </p:grpSp>
     </p:spTree>
     <p:extLst>
       <p:ext uri="{BB962C8B-B14F-4D97-AF65-F5344CB8AC3E}">
@@ -5297,6 +5463,1504 @@
     <p:extLst>
       <p:ext uri="{BB962C8B-B14F-4D97-AF65-F5344CB8AC3E}">
         <p14:creationId xmlns:p14="http://schemas.microsoft.com/office/powerpoint/2010/main" val="2782410908"/>
+      </p:ext>
+    </p:extLst>
+  </p:cSld>
+  <p:clrMapOvr>
+    <a:masterClrMapping/>
+  </p:clrMapOvr>
+</p:sld>
+</file>
+
+<file path=ppt/slides/slide4.xml><?xml version="1.0" encoding="utf-8"?>
+<p:sld xmlns:a="http://schemas.openxmlformats.org/drawingml/2006/main" xmlns:r="http://schemas.openxmlformats.org/officeDocument/2006/relationships" xmlns:p="http://schemas.openxmlformats.org/presentationml/2006/main">
+  <p:cSld>
+    <p:spTree>
+      <p:nvGrpSpPr>
+        <p:cNvPr id="1" name=""/>
+        <p:cNvGrpSpPr/>
+        <p:nvPr/>
+      </p:nvGrpSpPr>
+      <p:grpSpPr>
+        <a:xfrm>
+          <a:off x="0" y="0"/>
+          <a:ext cx="0" cy="0"/>
+          <a:chOff x="0" y="0"/>
+          <a:chExt cx="0" cy="0"/>
+        </a:xfrm>
+      </p:grpSpPr>
+      <p:grpSp>
+        <p:nvGrpSpPr>
+          <p:cNvPr id="74" name="그룹 73">
+            <a:extLst>
+              <a:ext uri="{FF2B5EF4-FFF2-40B4-BE49-F238E27FC236}">
+                <a16:creationId xmlns:a16="http://schemas.microsoft.com/office/drawing/2014/main" id="{B21DC081-F80A-99DC-EE6B-B1E8574C8AC4}"/>
+              </a:ext>
+            </a:extLst>
+          </p:cNvPr>
+          <p:cNvGrpSpPr/>
+          <p:nvPr/>
+        </p:nvGrpSpPr>
+        <p:grpSpPr>
+          <a:xfrm>
+            <a:off x="583531" y="713986"/>
+            <a:ext cx="8289760" cy="4301176"/>
+            <a:chOff x="583531" y="713986"/>
+            <a:chExt cx="8289760" cy="4301176"/>
+          </a:xfrm>
+        </p:grpSpPr>
+        <p:sp>
+          <p:nvSpPr>
+            <p:cNvPr id="2" name="순서도: 대체 처리 1">
+              <a:extLst>
+                <a:ext uri="{FF2B5EF4-FFF2-40B4-BE49-F238E27FC236}">
+                  <a16:creationId xmlns:a16="http://schemas.microsoft.com/office/drawing/2014/main" id="{D5FE53E8-AACB-382C-A455-0B6B21D80229}"/>
+                </a:ext>
+              </a:extLst>
+            </p:cNvPr>
+            <p:cNvSpPr/>
+            <p:nvPr/>
+          </p:nvSpPr>
+          <p:spPr>
+            <a:xfrm>
+              <a:off x="1398672" y="1881439"/>
+              <a:ext cx="1509960" cy="336884"/>
+            </a:xfrm>
+            <a:prstGeom prst="flowChartAlternateProcess">
+              <a:avLst/>
+            </a:prstGeom>
+          </p:spPr>
+          <p:style>
+            <a:lnRef idx="2">
+              <a:schemeClr val="dk1"/>
+            </a:lnRef>
+            <a:fillRef idx="1">
+              <a:schemeClr val="lt1"/>
+            </a:fillRef>
+            <a:effectRef idx="0">
+              <a:schemeClr val="dk1"/>
+            </a:effectRef>
+            <a:fontRef idx="minor">
+              <a:schemeClr val="dk1"/>
+            </a:fontRef>
+          </p:style>
+          <p:txBody>
+            <a:bodyPr rtlCol="0" anchor="ctr"/>
+            <a:lstStyle/>
+            <a:p>
+              <a:pPr algn="ctr"/>
+              <a:r>
+                <a:rPr lang="ko-KR" altLang="en-US" sz="1000" dirty="0">
+                  <a:latin typeface="Microsoft GothicNeo Light" panose="020B0300000101010101" pitchFamily="50" charset="-127"/>
+                  <a:ea typeface="Microsoft GothicNeo Light" panose="020B0300000101010101" pitchFamily="50" charset="-127"/>
+                  <a:cs typeface="Microsoft GothicNeo Light" panose="020B0300000101010101" pitchFamily="50" charset="-127"/>
+                </a:rPr>
+                <a:t>스폰지역 내 </a:t>
+              </a:r>
+              <a:r>
+                <a:rPr lang="ko-KR" altLang="en-US" sz="1000" dirty="0" err="1">
+                  <a:latin typeface="Microsoft GothicNeo Light" panose="020B0300000101010101" pitchFamily="50" charset="-127"/>
+                  <a:ea typeface="Microsoft GothicNeo Light" panose="020B0300000101010101" pitchFamily="50" charset="-127"/>
+                  <a:cs typeface="Microsoft GothicNeo Light" panose="020B0300000101010101" pitchFamily="50" charset="-127"/>
+                </a:rPr>
+                <a:t>스폰</a:t>
+              </a:r>
+              <a:endParaRPr lang="ko-KR" altLang="en-US" sz="1000" dirty="0">
+                <a:latin typeface="Microsoft GothicNeo Light" panose="020B0300000101010101" pitchFamily="50" charset="-127"/>
+                <a:ea typeface="Microsoft GothicNeo Light" panose="020B0300000101010101" pitchFamily="50" charset="-127"/>
+                <a:cs typeface="Microsoft GothicNeo Light" panose="020B0300000101010101" pitchFamily="50" charset="-127"/>
+              </a:endParaRPr>
+            </a:p>
+          </p:txBody>
+        </p:sp>
+        <p:sp>
+          <p:nvSpPr>
+            <p:cNvPr id="3" name="순서도: 대체 처리 2">
+              <a:extLst>
+                <a:ext uri="{FF2B5EF4-FFF2-40B4-BE49-F238E27FC236}">
+                  <a16:creationId xmlns:a16="http://schemas.microsoft.com/office/drawing/2014/main" id="{662CCADA-24CF-13BD-E156-506A8C76D210}"/>
+                </a:ext>
+              </a:extLst>
+            </p:cNvPr>
+            <p:cNvSpPr/>
+            <p:nvPr/>
+          </p:nvSpPr>
+          <p:spPr>
+            <a:xfrm>
+              <a:off x="3555330" y="2741693"/>
+              <a:ext cx="1509963" cy="517359"/>
+            </a:xfrm>
+            <a:prstGeom prst="flowChartAlternateProcess">
+              <a:avLst/>
+            </a:prstGeom>
+          </p:spPr>
+          <p:style>
+            <a:lnRef idx="2">
+              <a:schemeClr val="dk1"/>
+            </a:lnRef>
+            <a:fillRef idx="1">
+              <a:schemeClr val="lt1"/>
+            </a:fillRef>
+            <a:effectRef idx="0">
+              <a:schemeClr val="dk1"/>
+            </a:effectRef>
+            <a:fontRef idx="minor">
+              <a:schemeClr val="dk1"/>
+            </a:fontRef>
+          </p:style>
+          <p:txBody>
+            <a:bodyPr rtlCol="0" anchor="ctr"/>
+            <a:lstStyle/>
+            <a:p>
+              <a:pPr algn="ctr"/>
+              <a:r>
+                <a:rPr lang="ko-KR" altLang="en-US" sz="1000" dirty="0">
+                  <a:latin typeface="Microsoft GothicNeo Light" panose="020B0300000101010101" pitchFamily="50" charset="-127"/>
+                  <a:ea typeface="Microsoft GothicNeo Light" panose="020B0300000101010101" pitchFamily="50" charset="-127"/>
+                  <a:cs typeface="Microsoft GothicNeo Light" panose="020B0300000101010101" pitchFamily="50" charset="-127"/>
+                </a:rPr>
+                <a:t>일반 몬스터 필드 사냥</a:t>
+              </a:r>
+              <a:endParaRPr lang="en-US" altLang="ko-KR" sz="1000" dirty="0">
+                <a:latin typeface="Microsoft GothicNeo Light" panose="020B0300000101010101" pitchFamily="50" charset="-127"/>
+                <a:ea typeface="Microsoft GothicNeo Light" panose="020B0300000101010101" pitchFamily="50" charset="-127"/>
+                <a:cs typeface="Microsoft GothicNeo Light" panose="020B0300000101010101" pitchFamily="50" charset="-127"/>
+              </a:endParaRPr>
+            </a:p>
+          </p:txBody>
+        </p:sp>
+        <p:sp>
+          <p:nvSpPr>
+            <p:cNvPr id="4" name="순서도: 판단 3">
+              <a:extLst>
+                <a:ext uri="{FF2B5EF4-FFF2-40B4-BE49-F238E27FC236}">
+                  <a16:creationId xmlns:a16="http://schemas.microsoft.com/office/drawing/2014/main" id="{B3C9D637-B728-6105-854D-3B5AD55E736D}"/>
+                </a:ext>
+              </a:extLst>
+            </p:cNvPr>
+            <p:cNvSpPr/>
+            <p:nvPr/>
+          </p:nvSpPr>
+          <p:spPr>
+            <a:xfrm>
+              <a:off x="884319" y="2652963"/>
+              <a:ext cx="2538665" cy="685800"/>
+            </a:xfrm>
+            <a:prstGeom prst="flowChartDecision">
+              <a:avLst/>
+            </a:prstGeom>
+            <a:noFill/>
+            <a:ln w="9525" cap="flat" cmpd="sng" algn="ctr">
+              <a:solidFill>
+                <a:schemeClr val="dk1"/>
+              </a:solidFill>
+              <a:prstDash val="solid"/>
+              <a:round/>
+              <a:headEnd type="none" w="med" len="med"/>
+              <a:tailEnd type="none" w="med" len="med"/>
+            </a:ln>
+          </p:spPr>
+          <p:style>
+            <a:lnRef idx="0">
+              <a:scrgbClr r="0" g="0" b="0"/>
+            </a:lnRef>
+            <a:fillRef idx="0">
+              <a:scrgbClr r="0" g="0" b="0"/>
+            </a:fillRef>
+            <a:effectRef idx="0">
+              <a:scrgbClr r="0" g="0" b="0"/>
+            </a:effectRef>
+            <a:fontRef idx="minor">
+              <a:schemeClr val="dk1"/>
+            </a:fontRef>
+          </p:style>
+          <p:txBody>
+            <a:bodyPr rtlCol="0" anchor="ctr"/>
+            <a:lstStyle/>
+            <a:p>
+              <a:pPr algn="ctr"/>
+              <a:r>
+                <a:rPr lang="ko-KR" altLang="en-US" sz="1000" dirty="0">
+                  <a:latin typeface="Microsoft GothicNeo Light" panose="020B0300000101010101" pitchFamily="50" charset="-127"/>
+                  <a:ea typeface="Microsoft GothicNeo Light" panose="020B0300000101010101" pitchFamily="50" charset="-127"/>
+                  <a:cs typeface="Microsoft GothicNeo Light" panose="020B0300000101010101" pitchFamily="50" charset="-127"/>
+                </a:rPr>
+                <a:t>일반 몬스터  </a:t>
+              </a:r>
+              <a:r>
+                <a:rPr lang="en-US" altLang="ko-KR" sz="1000" dirty="0">
+                  <a:latin typeface="Microsoft GothicNeo Light" panose="020B0300000101010101" pitchFamily="50" charset="-127"/>
+                  <a:ea typeface="Microsoft GothicNeo Light" panose="020B0300000101010101" pitchFamily="50" charset="-127"/>
+                  <a:cs typeface="Microsoft GothicNeo Light" panose="020B0300000101010101" pitchFamily="50" charset="-127"/>
+                </a:rPr>
+                <a:t>== 0</a:t>
+              </a:r>
+              <a:endParaRPr lang="ko-KR" altLang="en-US" sz="1000" dirty="0">
+                <a:latin typeface="Microsoft GothicNeo Light" panose="020B0300000101010101" pitchFamily="50" charset="-127"/>
+                <a:ea typeface="Microsoft GothicNeo Light" panose="020B0300000101010101" pitchFamily="50" charset="-127"/>
+                <a:cs typeface="Microsoft GothicNeo Light" panose="020B0300000101010101" pitchFamily="50" charset="-127"/>
+              </a:endParaRPr>
+            </a:p>
+          </p:txBody>
+        </p:sp>
+        <p:cxnSp>
+          <p:nvCxnSpPr>
+            <p:cNvPr id="6" name="직선 화살표 연결선 5">
+              <a:extLst>
+                <a:ext uri="{FF2B5EF4-FFF2-40B4-BE49-F238E27FC236}">
+                  <a16:creationId xmlns:a16="http://schemas.microsoft.com/office/drawing/2014/main" id="{280A2105-0711-164D-D595-5DF25E5F9E51}"/>
+                </a:ext>
+              </a:extLst>
+            </p:cNvPr>
+            <p:cNvCxnSpPr>
+              <a:cxnSpLocks/>
+              <a:stCxn id="2" idx="2"/>
+              <a:endCxn id="4" idx="0"/>
+            </p:cNvCxnSpPr>
+            <p:nvPr/>
+          </p:nvCxnSpPr>
+          <p:spPr>
+            <a:xfrm>
+              <a:off x="2153652" y="2218323"/>
+              <a:ext cx="0" cy="434640"/>
+            </a:xfrm>
+            <a:prstGeom prst="straightConnector1">
+              <a:avLst/>
+            </a:prstGeom>
+            <a:ln>
+              <a:tailEnd type="triangle"/>
+            </a:ln>
+          </p:spPr>
+          <p:style>
+            <a:lnRef idx="1">
+              <a:schemeClr val="dk1"/>
+            </a:lnRef>
+            <a:fillRef idx="0">
+              <a:schemeClr val="dk1"/>
+            </a:fillRef>
+            <a:effectRef idx="0">
+              <a:schemeClr val="dk1"/>
+            </a:effectRef>
+            <a:fontRef idx="minor">
+              <a:schemeClr val="tx1"/>
+            </a:fontRef>
+          </p:style>
+        </p:cxnSp>
+        <p:cxnSp>
+          <p:nvCxnSpPr>
+            <p:cNvPr id="9" name="연결선: 꺾임 8">
+              <a:extLst>
+                <a:ext uri="{FF2B5EF4-FFF2-40B4-BE49-F238E27FC236}">
+                  <a16:creationId xmlns:a16="http://schemas.microsoft.com/office/drawing/2014/main" id="{228B95F8-728C-7F91-BE3E-2E7C91BBED5A}"/>
+                </a:ext>
+              </a:extLst>
+            </p:cNvPr>
+            <p:cNvCxnSpPr>
+              <a:cxnSpLocks/>
+              <a:stCxn id="3" idx="0"/>
+            </p:cNvCxnSpPr>
+            <p:nvPr/>
+          </p:nvCxnSpPr>
+          <p:spPr>
+            <a:xfrm rot="16200000" flipV="1">
+              <a:off x="3080083" y="1511464"/>
+              <a:ext cx="303799" cy="2156660"/>
+            </a:xfrm>
+            <a:prstGeom prst="bentConnector2">
+              <a:avLst/>
+            </a:prstGeom>
+            <a:ln>
+              <a:tailEnd type="triangle"/>
+            </a:ln>
+          </p:spPr>
+          <p:style>
+            <a:lnRef idx="1">
+              <a:schemeClr val="dk1"/>
+            </a:lnRef>
+            <a:fillRef idx="0">
+              <a:schemeClr val="dk1"/>
+            </a:fillRef>
+            <a:effectRef idx="0">
+              <a:schemeClr val="dk1"/>
+            </a:effectRef>
+            <a:fontRef idx="minor">
+              <a:schemeClr val="tx1"/>
+            </a:fontRef>
+          </p:style>
+        </p:cxnSp>
+        <p:cxnSp>
+          <p:nvCxnSpPr>
+            <p:cNvPr id="12" name="직선 화살표 연결선 11">
+              <a:extLst>
+                <a:ext uri="{FF2B5EF4-FFF2-40B4-BE49-F238E27FC236}">
+                  <a16:creationId xmlns:a16="http://schemas.microsoft.com/office/drawing/2014/main" id="{BF63331A-8608-4F8E-9CB8-6006946B6AF1}"/>
+                </a:ext>
+              </a:extLst>
+            </p:cNvPr>
+            <p:cNvCxnSpPr>
+              <a:cxnSpLocks/>
+              <a:stCxn id="4" idx="3"/>
+              <a:endCxn id="3" idx="1"/>
+            </p:cNvCxnSpPr>
+            <p:nvPr/>
+          </p:nvCxnSpPr>
+          <p:spPr>
+            <a:xfrm>
+              <a:off x="3422984" y="2995863"/>
+              <a:ext cx="132346" cy="4510"/>
+            </a:xfrm>
+            <a:prstGeom prst="straightConnector1">
+              <a:avLst/>
+            </a:prstGeom>
+            <a:ln>
+              <a:tailEnd type="triangle"/>
+            </a:ln>
+          </p:spPr>
+          <p:style>
+            <a:lnRef idx="1">
+              <a:schemeClr val="dk1"/>
+            </a:lnRef>
+            <a:fillRef idx="0">
+              <a:schemeClr val="dk1"/>
+            </a:fillRef>
+            <a:effectRef idx="0">
+              <a:schemeClr val="dk1"/>
+            </a:effectRef>
+            <a:fontRef idx="minor">
+              <a:schemeClr val="tx1"/>
+            </a:fontRef>
+          </p:style>
+        </p:cxnSp>
+        <p:cxnSp>
+          <p:nvCxnSpPr>
+            <p:cNvPr id="16" name="직선 화살표 연결선 15">
+              <a:extLst>
+                <a:ext uri="{FF2B5EF4-FFF2-40B4-BE49-F238E27FC236}">
+                  <a16:creationId xmlns:a16="http://schemas.microsoft.com/office/drawing/2014/main" id="{7E7A7B9C-292F-20D7-5876-68164B01D45F}"/>
+                </a:ext>
+              </a:extLst>
+            </p:cNvPr>
+            <p:cNvCxnSpPr>
+              <a:cxnSpLocks/>
+              <a:endCxn id="18" idx="0"/>
+            </p:cNvCxnSpPr>
+            <p:nvPr/>
+          </p:nvCxnSpPr>
+          <p:spPr>
+            <a:xfrm flipH="1">
+              <a:off x="2153649" y="3338763"/>
+              <a:ext cx="3" cy="240632"/>
+            </a:xfrm>
+            <a:prstGeom prst="straightConnector1">
+              <a:avLst/>
+            </a:prstGeom>
+            <a:ln>
+              <a:tailEnd type="triangle"/>
+            </a:ln>
+          </p:spPr>
+          <p:style>
+            <a:lnRef idx="1">
+              <a:schemeClr val="dk1"/>
+            </a:lnRef>
+            <a:fillRef idx="0">
+              <a:schemeClr val="dk1"/>
+            </a:fillRef>
+            <a:effectRef idx="0">
+              <a:schemeClr val="dk1"/>
+            </a:effectRef>
+            <a:fontRef idx="minor">
+              <a:schemeClr val="tx1"/>
+            </a:fontRef>
+          </p:style>
+        </p:cxnSp>
+        <p:sp>
+          <p:nvSpPr>
+            <p:cNvPr id="17" name="순서도: 대체 처리 16">
+              <a:extLst>
+                <a:ext uri="{FF2B5EF4-FFF2-40B4-BE49-F238E27FC236}">
+                  <a16:creationId xmlns:a16="http://schemas.microsoft.com/office/drawing/2014/main" id="{1FDB92C2-3D78-02E0-788A-1347D68D57BC}"/>
+                </a:ext>
+              </a:extLst>
+            </p:cNvPr>
+            <p:cNvSpPr/>
+            <p:nvPr/>
+          </p:nvSpPr>
+          <p:spPr>
+            <a:xfrm>
+              <a:off x="1398666" y="4537405"/>
+              <a:ext cx="1509963" cy="477757"/>
+            </a:xfrm>
+            <a:prstGeom prst="flowChartAlternateProcess">
+              <a:avLst/>
+            </a:prstGeom>
+          </p:spPr>
+          <p:style>
+            <a:lnRef idx="2">
+              <a:schemeClr val="dk1"/>
+            </a:lnRef>
+            <a:fillRef idx="1">
+              <a:schemeClr val="lt1"/>
+            </a:fillRef>
+            <a:effectRef idx="0">
+              <a:schemeClr val="dk1"/>
+            </a:effectRef>
+            <a:fontRef idx="minor">
+              <a:schemeClr val="dk1"/>
+            </a:fontRef>
+          </p:style>
+          <p:txBody>
+            <a:bodyPr rtlCol="0" anchor="ctr"/>
+            <a:lstStyle/>
+            <a:p>
+              <a:pPr algn="ctr"/>
+              <a:r>
+                <a:rPr lang="ko-KR" altLang="en-US" sz="1000" dirty="0">
+                  <a:latin typeface="Microsoft GothicNeo Light" panose="020B0300000101010101" pitchFamily="50" charset="-127"/>
+                  <a:ea typeface="Microsoft GothicNeo Light" panose="020B0300000101010101" pitchFamily="50" charset="-127"/>
+                  <a:cs typeface="Microsoft GothicNeo Light" panose="020B0300000101010101" pitchFamily="50" charset="-127"/>
+                </a:rPr>
+                <a:t>보스 필드 이동</a:t>
+              </a:r>
+              <a:endParaRPr lang="en-US" altLang="ko-KR" sz="1000" dirty="0">
+                <a:latin typeface="Microsoft GothicNeo Light" panose="020B0300000101010101" pitchFamily="50" charset="-127"/>
+                <a:ea typeface="Microsoft GothicNeo Light" panose="020B0300000101010101" pitchFamily="50" charset="-127"/>
+                <a:cs typeface="Microsoft GothicNeo Light" panose="020B0300000101010101" pitchFamily="50" charset="-127"/>
+              </a:endParaRPr>
+            </a:p>
+          </p:txBody>
+        </p:sp>
+        <p:sp>
+          <p:nvSpPr>
+            <p:cNvPr id="18" name="순서도: 판단 17">
+              <a:extLst>
+                <a:ext uri="{FF2B5EF4-FFF2-40B4-BE49-F238E27FC236}">
+                  <a16:creationId xmlns:a16="http://schemas.microsoft.com/office/drawing/2014/main" id="{44C6491F-FDCE-0A2C-B31F-534EDF3E2DD2}"/>
+                </a:ext>
+              </a:extLst>
+            </p:cNvPr>
+            <p:cNvSpPr/>
+            <p:nvPr/>
+          </p:nvSpPr>
+          <p:spPr>
+            <a:xfrm>
+              <a:off x="884316" y="3579395"/>
+              <a:ext cx="2538665" cy="685800"/>
+            </a:xfrm>
+            <a:prstGeom prst="flowChartDecision">
+              <a:avLst/>
+            </a:prstGeom>
+            <a:noFill/>
+            <a:ln w="9525" cap="flat" cmpd="sng" algn="ctr">
+              <a:solidFill>
+                <a:schemeClr val="dk1"/>
+              </a:solidFill>
+              <a:prstDash val="solid"/>
+              <a:round/>
+              <a:headEnd type="none" w="med" len="med"/>
+              <a:tailEnd type="none" w="med" len="med"/>
+            </a:ln>
+          </p:spPr>
+          <p:style>
+            <a:lnRef idx="0">
+              <a:scrgbClr r="0" g="0" b="0"/>
+            </a:lnRef>
+            <a:fillRef idx="0">
+              <a:scrgbClr r="0" g="0" b="0"/>
+            </a:fillRef>
+            <a:effectRef idx="0">
+              <a:scrgbClr r="0" g="0" b="0"/>
+            </a:effectRef>
+            <a:fontRef idx="minor">
+              <a:schemeClr val="dk1"/>
+            </a:fontRef>
+          </p:style>
+          <p:txBody>
+            <a:bodyPr rtlCol="0" anchor="ctr"/>
+            <a:lstStyle/>
+            <a:p>
+              <a:pPr algn="ctr"/>
+              <a:r>
+                <a:rPr lang="ko-KR" altLang="en-US" sz="1000" dirty="0">
+                  <a:latin typeface="Microsoft GothicNeo Light" panose="020B0300000101010101" pitchFamily="50" charset="-127"/>
+                  <a:ea typeface="Microsoft GothicNeo Light" panose="020B0300000101010101" pitchFamily="50" charset="-127"/>
+                  <a:cs typeface="Microsoft GothicNeo Light" panose="020B0300000101010101" pitchFamily="50" charset="-127"/>
+                </a:rPr>
+                <a:t>보스 포탈 내 위치한 유저 </a:t>
+              </a:r>
+              <a:r>
+                <a:rPr lang="en-US" altLang="ko-KR" sz="1000" dirty="0">
+                  <a:latin typeface="Microsoft GothicNeo Light" panose="020B0300000101010101" pitchFamily="50" charset="-127"/>
+                  <a:ea typeface="Microsoft GothicNeo Light" panose="020B0300000101010101" pitchFamily="50" charset="-127"/>
+                  <a:cs typeface="Microsoft GothicNeo Light" panose="020B0300000101010101" pitchFamily="50" charset="-127"/>
+                </a:rPr>
+                <a:t>== </a:t>
+              </a:r>
+              <a:r>
+                <a:rPr lang="ko-KR" altLang="en-US" sz="1000" dirty="0">
+                  <a:latin typeface="Microsoft GothicNeo Light" panose="020B0300000101010101" pitchFamily="50" charset="-127"/>
+                  <a:ea typeface="Microsoft GothicNeo Light" panose="020B0300000101010101" pitchFamily="50" charset="-127"/>
+                  <a:cs typeface="Microsoft GothicNeo Light" panose="020B0300000101010101" pitchFamily="50" charset="-127"/>
+                </a:rPr>
+                <a:t>유저 수</a:t>
+              </a:r>
+            </a:p>
+          </p:txBody>
+        </p:sp>
+        <p:sp>
+          <p:nvSpPr>
+            <p:cNvPr id="24" name="순서도: 대체 처리 23">
+              <a:extLst>
+                <a:ext uri="{FF2B5EF4-FFF2-40B4-BE49-F238E27FC236}">
+                  <a16:creationId xmlns:a16="http://schemas.microsoft.com/office/drawing/2014/main" id="{80307D8E-57F2-0481-DF99-A8A7BAE677C6}"/>
+                </a:ext>
+              </a:extLst>
+            </p:cNvPr>
+            <p:cNvSpPr/>
+            <p:nvPr/>
+          </p:nvSpPr>
+          <p:spPr>
+            <a:xfrm>
+              <a:off x="1398669" y="1284370"/>
+              <a:ext cx="1509960" cy="336884"/>
+            </a:xfrm>
+            <a:prstGeom prst="flowChartAlternateProcess">
+              <a:avLst/>
+            </a:prstGeom>
+          </p:spPr>
+          <p:style>
+            <a:lnRef idx="2">
+              <a:schemeClr val="dk1"/>
+            </a:lnRef>
+            <a:fillRef idx="1">
+              <a:schemeClr val="lt1"/>
+            </a:fillRef>
+            <a:effectRef idx="0">
+              <a:schemeClr val="dk1"/>
+            </a:effectRef>
+            <a:fontRef idx="minor">
+              <a:schemeClr val="dk1"/>
+            </a:fontRef>
+          </p:style>
+          <p:txBody>
+            <a:bodyPr rtlCol="0" anchor="ctr"/>
+            <a:lstStyle/>
+            <a:p>
+              <a:pPr algn="ctr"/>
+              <a:r>
+                <a:rPr lang="ko-KR" altLang="en-US" sz="1000">
+                  <a:latin typeface="Microsoft GothicNeo Light" panose="020B0300000101010101" pitchFamily="50" charset="-127"/>
+                  <a:ea typeface="Microsoft GothicNeo Light" panose="020B0300000101010101" pitchFamily="50" charset="-127"/>
+                  <a:cs typeface="Microsoft GothicNeo Light" panose="020B0300000101010101" pitchFamily="50" charset="-127"/>
+                </a:rPr>
+                <a:t>접속</a:t>
+              </a:r>
+              <a:endParaRPr lang="ko-KR" altLang="en-US" sz="1000" dirty="0">
+                <a:latin typeface="Microsoft GothicNeo Light" panose="020B0300000101010101" pitchFamily="50" charset="-127"/>
+                <a:ea typeface="Microsoft GothicNeo Light" panose="020B0300000101010101" pitchFamily="50" charset="-127"/>
+                <a:cs typeface="Microsoft GothicNeo Light" panose="020B0300000101010101" pitchFamily="50" charset="-127"/>
+              </a:endParaRPr>
+            </a:p>
+          </p:txBody>
+        </p:sp>
+        <p:cxnSp>
+          <p:nvCxnSpPr>
+            <p:cNvPr id="29" name="직선 화살표 연결선 28">
+              <a:extLst>
+                <a:ext uri="{FF2B5EF4-FFF2-40B4-BE49-F238E27FC236}">
+                  <a16:creationId xmlns:a16="http://schemas.microsoft.com/office/drawing/2014/main" id="{BD4AC7A1-F032-D747-10D8-DE4F64CA061A}"/>
+                </a:ext>
+              </a:extLst>
+            </p:cNvPr>
+            <p:cNvCxnSpPr>
+              <a:cxnSpLocks/>
+              <a:stCxn id="24" idx="2"/>
+              <a:endCxn id="2" idx="0"/>
+            </p:cNvCxnSpPr>
+            <p:nvPr/>
+          </p:nvCxnSpPr>
+          <p:spPr>
+            <a:xfrm>
+              <a:off x="2153649" y="1621254"/>
+              <a:ext cx="3" cy="260185"/>
+            </a:xfrm>
+            <a:prstGeom prst="straightConnector1">
+              <a:avLst/>
+            </a:prstGeom>
+            <a:ln>
+              <a:tailEnd type="triangle"/>
+            </a:ln>
+          </p:spPr>
+          <p:style>
+            <a:lnRef idx="1">
+              <a:schemeClr val="dk1"/>
+            </a:lnRef>
+            <a:fillRef idx="0">
+              <a:schemeClr val="dk1"/>
+            </a:fillRef>
+            <a:effectRef idx="0">
+              <a:schemeClr val="dk1"/>
+            </a:effectRef>
+            <a:fontRef idx="minor">
+              <a:schemeClr val="tx1"/>
+            </a:fontRef>
+          </p:style>
+        </p:cxnSp>
+        <p:cxnSp>
+          <p:nvCxnSpPr>
+            <p:cNvPr id="32" name="직선 화살표 연결선 31">
+              <a:extLst>
+                <a:ext uri="{FF2B5EF4-FFF2-40B4-BE49-F238E27FC236}">
+                  <a16:creationId xmlns:a16="http://schemas.microsoft.com/office/drawing/2014/main" id="{92656D9A-04A7-8F0F-C65B-5E925A805D2E}"/>
+                </a:ext>
+              </a:extLst>
+            </p:cNvPr>
+            <p:cNvCxnSpPr>
+              <a:cxnSpLocks/>
+            </p:cNvCxnSpPr>
+            <p:nvPr/>
+          </p:nvCxnSpPr>
+          <p:spPr>
+            <a:xfrm>
+              <a:off x="2153646" y="4265195"/>
+              <a:ext cx="3" cy="260185"/>
+            </a:xfrm>
+            <a:prstGeom prst="straightConnector1">
+              <a:avLst/>
+            </a:prstGeom>
+            <a:ln>
+              <a:tailEnd type="triangle"/>
+            </a:ln>
+          </p:spPr>
+          <p:style>
+            <a:lnRef idx="1">
+              <a:schemeClr val="dk1"/>
+            </a:lnRef>
+            <a:fillRef idx="0">
+              <a:schemeClr val="dk1"/>
+            </a:fillRef>
+            <a:effectRef idx="0">
+              <a:schemeClr val="dk1"/>
+            </a:effectRef>
+            <a:fontRef idx="minor">
+              <a:schemeClr val="tx1"/>
+            </a:fontRef>
+          </p:style>
+        </p:cxnSp>
+        <p:sp>
+          <p:nvSpPr>
+            <p:cNvPr id="33" name="TextBox 32">
+              <a:extLst>
+                <a:ext uri="{FF2B5EF4-FFF2-40B4-BE49-F238E27FC236}">
+                  <a16:creationId xmlns:a16="http://schemas.microsoft.com/office/drawing/2014/main" id="{79056337-11C2-91DF-DBAE-95D85605829A}"/>
+                </a:ext>
+              </a:extLst>
+            </p:cNvPr>
+            <p:cNvSpPr txBox="1"/>
+            <p:nvPr/>
+          </p:nvSpPr>
+          <p:spPr>
+            <a:xfrm>
+              <a:off x="2153649" y="3312078"/>
+              <a:ext cx="394660" cy="230832"/>
+            </a:xfrm>
+            <a:prstGeom prst="rect">
+              <a:avLst/>
+            </a:prstGeom>
+            <a:noFill/>
+          </p:spPr>
+          <p:txBody>
+            <a:bodyPr wrap="none" rtlCol="0">
+              <a:spAutoFit/>
+            </a:bodyPr>
+            <a:lstStyle/>
+            <a:p>
+              <a:r>
+                <a:rPr lang="en-US" altLang="ko-KR" sz="900" dirty="0">
+                  <a:latin typeface="Microsoft GothicNeo Light" panose="020B0300000101010101" pitchFamily="50" charset="-127"/>
+                  <a:ea typeface="Microsoft GothicNeo Light" panose="020B0300000101010101" pitchFamily="50" charset="-127"/>
+                  <a:cs typeface="Microsoft GothicNeo Light" panose="020B0300000101010101" pitchFamily="50" charset="-127"/>
+                </a:rPr>
+                <a:t>true</a:t>
+              </a:r>
+              <a:endParaRPr lang="ko-KR" altLang="en-US" sz="900" dirty="0">
+                <a:latin typeface="Microsoft GothicNeo Light" panose="020B0300000101010101" pitchFamily="50" charset="-127"/>
+                <a:ea typeface="Microsoft GothicNeo Light" panose="020B0300000101010101" pitchFamily="50" charset="-127"/>
+                <a:cs typeface="Microsoft GothicNeo Light" panose="020B0300000101010101" pitchFamily="50" charset="-127"/>
+              </a:endParaRPr>
+            </a:p>
+          </p:txBody>
+        </p:sp>
+        <p:sp>
+          <p:nvSpPr>
+            <p:cNvPr id="34" name="TextBox 33">
+              <a:extLst>
+                <a:ext uri="{FF2B5EF4-FFF2-40B4-BE49-F238E27FC236}">
+                  <a16:creationId xmlns:a16="http://schemas.microsoft.com/office/drawing/2014/main" id="{00551162-0B15-ABAD-D0B4-FAAA2E72605E}"/>
+                </a:ext>
+              </a:extLst>
+            </p:cNvPr>
+            <p:cNvSpPr txBox="1"/>
+            <p:nvPr/>
+          </p:nvSpPr>
+          <p:spPr>
+            <a:xfrm>
+              <a:off x="3212830" y="2752996"/>
+              <a:ext cx="420308" cy="230832"/>
+            </a:xfrm>
+            <a:prstGeom prst="rect">
+              <a:avLst/>
+            </a:prstGeom>
+            <a:noFill/>
+          </p:spPr>
+          <p:txBody>
+            <a:bodyPr wrap="none" rtlCol="0">
+              <a:spAutoFit/>
+            </a:bodyPr>
+            <a:lstStyle/>
+            <a:p>
+              <a:r>
+                <a:rPr lang="en-US" altLang="ko-KR" sz="900" dirty="0">
+                  <a:latin typeface="Microsoft GothicNeo Light" panose="020B0300000101010101" pitchFamily="50" charset="-127"/>
+                  <a:ea typeface="Microsoft GothicNeo Light" panose="020B0300000101010101" pitchFamily="50" charset="-127"/>
+                  <a:cs typeface="Microsoft GothicNeo Light" panose="020B0300000101010101" pitchFamily="50" charset="-127"/>
+                </a:rPr>
+                <a:t>false</a:t>
+              </a:r>
+              <a:endParaRPr lang="ko-KR" altLang="en-US" sz="900" dirty="0">
+                <a:latin typeface="Microsoft GothicNeo Light" panose="020B0300000101010101" pitchFamily="50" charset="-127"/>
+                <a:ea typeface="Microsoft GothicNeo Light" panose="020B0300000101010101" pitchFamily="50" charset="-127"/>
+                <a:cs typeface="Microsoft GothicNeo Light" panose="020B0300000101010101" pitchFamily="50" charset="-127"/>
+              </a:endParaRPr>
+            </a:p>
+          </p:txBody>
+        </p:sp>
+        <p:sp>
+          <p:nvSpPr>
+            <p:cNvPr id="36" name="TextBox 35">
+              <a:extLst>
+                <a:ext uri="{FF2B5EF4-FFF2-40B4-BE49-F238E27FC236}">
+                  <a16:creationId xmlns:a16="http://schemas.microsoft.com/office/drawing/2014/main" id="{AC58CC06-FC9A-F128-6664-474688BF5917}"/>
+                </a:ext>
+              </a:extLst>
+            </p:cNvPr>
+            <p:cNvSpPr txBox="1"/>
+            <p:nvPr/>
+          </p:nvSpPr>
+          <p:spPr>
+            <a:xfrm>
+              <a:off x="583531" y="713986"/>
+              <a:ext cx="2138727" cy="276999"/>
+            </a:xfrm>
+            <a:prstGeom prst="rect">
+              <a:avLst/>
+            </a:prstGeom>
+            <a:noFill/>
+          </p:spPr>
+          <p:txBody>
+            <a:bodyPr wrap="none" rtlCol="0">
+              <a:spAutoFit/>
+            </a:bodyPr>
+            <a:lstStyle/>
+            <a:p>
+              <a:r>
+                <a:rPr lang="ko-KR" altLang="en-US" sz="1200" dirty="0" err="1">
+                  <a:latin typeface="Microsoft GothicNeo Light" panose="020B0300000101010101" pitchFamily="50" charset="-127"/>
+                  <a:ea typeface="Microsoft GothicNeo Light" panose="020B0300000101010101" pitchFamily="50" charset="-127"/>
+                  <a:cs typeface="Microsoft GothicNeo Light" panose="020B0300000101010101" pitchFamily="50" charset="-127"/>
+                </a:rPr>
+                <a:t>보스레이드</a:t>
+              </a:r>
+              <a:r>
+                <a:rPr lang="ko-KR" altLang="en-US" sz="1200" dirty="0">
+                  <a:latin typeface="Microsoft GothicNeo Light" panose="020B0300000101010101" pitchFamily="50" charset="-127"/>
+                  <a:ea typeface="Microsoft GothicNeo Light" panose="020B0300000101010101" pitchFamily="50" charset="-127"/>
+                  <a:cs typeface="Microsoft GothicNeo Light" panose="020B0300000101010101" pitchFamily="50" charset="-127"/>
+                </a:rPr>
+                <a:t> 플레이 플로우 차트</a:t>
+              </a:r>
+            </a:p>
+          </p:txBody>
+        </p:sp>
+        <p:sp>
+          <p:nvSpPr>
+            <p:cNvPr id="37" name="순서도: 대체 처리 36">
+              <a:extLst>
+                <a:ext uri="{FF2B5EF4-FFF2-40B4-BE49-F238E27FC236}">
+                  <a16:creationId xmlns:a16="http://schemas.microsoft.com/office/drawing/2014/main" id="{9A06A387-4631-0B12-7536-6E35F75D12DF}"/>
+                </a:ext>
+              </a:extLst>
+            </p:cNvPr>
+            <p:cNvSpPr/>
+            <p:nvPr/>
+          </p:nvSpPr>
+          <p:spPr>
+            <a:xfrm>
+              <a:off x="5753099" y="1249151"/>
+              <a:ext cx="1509963" cy="407321"/>
+            </a:xfrm>
+            <a:prstGeom prst="flowChartAlternateProcess">
+              <a:avLst/>
+            </a:prstGeom>
+          </p:spPr>
+          <p:style>
+            <a:lnRef idx="2">
+              <a:schemeClr val="dk1"/>
+            </a:lnRef>
+            <a:fillRef idx="1">
+              <a:schemeClr val="lt1"/>
+            </a:fillRef>
+            <a:effectRef idx="0">
+              <a:schemeClr val="dk1"/>
+            </a:effectRef>
+            <a:fontRef idx="minor">
+              <a:schemeClr val="dk1"/>
+            </a:fontRef>
+          </p:style>
+          <p:txBody>
+            <a:bodyPr rtlCol="0" anchor="ctr"/>
+            <a:lstStyle/>
+            <a:p>
+              <a:pPr algn="ctr"/>
+              <a:r>
+                <a:rPr lang="ko-KR" altLang="en-US" sz="1000" dirty="0">
+                  <a:latin typeface="Microsoft GothicNeo Light" panose="020B0300000101010101" pitchFamily="50" charset="-127"/>
+                  <a:ea typeface="Microsoft GothicNeo Light" panose="020B0300000101010101" pitchFamily="50" charset="-127"/>
+                  <a:cs typeface="Microsoft GothicNeo Light" panose="020B0300000101010101" pitchFamily="50" charset="-127"/>
+                </a:rPr>
+                <a:t>보스 필드 이동</a:t>
+              </a:r>
+              <a:endParaRPr lang="en-US" altLang="ko-KR" sz="1000" dirty="0">
+                <a:latin typeface="Microsoft GothicNeo Light" panose="020B0300000101010101" pitchFamily="50" charset="-127"/>
+                <a:ea typeface="Microsoft GothicNeo Light" panose="020B0300000101010101" pitchFamily="50" charset="-127"/>
+                <a:cs typeface="Microsoft GothicNeo Light" panose="020B0300000101010101" pitchFamily="50" charset="-127"/>
+              </a:endParaRPr>
+            </a:p>
+          </p:txBody>
+        </p:sp>
+        <p:sp>
+          <p:nvSpPr>
+            <p:cNvPr id="42" name="순서도: 판단 41">
+              <a:extLst>
+                <a:ext uri="{FF2B5EF4-FFF2-40B4-BE49-F238E27FC236}">
+                  <a16:creationId xmlns:a16="http://schemas.microsoft.com/office/drawing/2014/main" id="{F93DA05A-6695-3DBC-17A2-D35D463E00F3}"/>
+                </a:ext>
+              </a:extLst>
+            </p:cNvPr>
+            <p:cNvSpPr/>
+            <p:nvPr/>
+          </p:nvSpPr>
+          <p:spPr>
+            <a:xfrm>
+              <a:off x="5238747" y="2320595"/>
+              <a:ext cx="2538665" cy="685800"/>
+            </a:xfrm>
+            <a:prstGeom prst="flowChartDecision">
+              <a:avLst/>
+            </a:prstGeom>
+            <a:noFill/>
+            <a:ln w="9525" cap="flat" cmpd="sng" algn="ctr">
+              <a:solidFill>
+                <a:schemeClr val="dk1"/>
+              </a:solidFill>
+              <a:prstDash val="solid"/>
+              <a:round/>
+              <a:headEnd type="none" w="med" len="med"/>
+              <a:tailEnd type="none" w="med" len="med"/>
+            </a:ln>
+          </p:spPr>
+          <p:style>
+            <a:lnRef idx="0">
+              <a:scrgbClr r="0" g="0" b="0"/>
+            </a:lnRef>
+            <a:fillRef idx="0">
+              <a:scrgbClr r="0" g="0" b="0"/>
+            </a:fillRef>
+            <a:effectRef idx="0">
+              <a:scrgbClr r="0" g="0" b="0"/>
+            </a:effectRef>
+            <a:fontRef idx="minor">
+              <a:schemeClr val="dk1"/>
+            </a:fontRef>
+          </p:style>
+          <p:txBody>
+            <a:bodyPr rtlCol="0" anchor="ctr"/>
+            <a:lstStyle/>
+            <a:p>
+              <a:pPr algn="ctr"/>
+              <a:r>
+                <a:rPr lang="ko-KR" altLang="en-US" sz="1000" dirty="0">
+                  <a:latin typeface="Microsoft GothicNeo Light" panose="020B0300000101010101" pitchFamily="50" charset="-127"/>
+                  <a:ea typeface="Microsoft GothicNeo Light" panose="020B0300000101010101" pitchFamily="50" charset="-127"/>
+                  <a:cs typeface="Microsoft GothicNeo Light" panose="020B0300000101010101" pitchFamily="50" charset="-127"/>
+                </a:rPr>
+                <a:t>보스 체력 </a:t>
+              </a:r>
+              <a:r>
+                <a:rPr lang="en-US" altLang="ko-KR" sz="1000" dirty="0">
+                  <a:latin typeface="Microsoft GothicNeo Light" panose="020B0300000101010101" pitchFamily="50" charset="-127"/>
+                  <a:ea typeface="Microsoft GothicNeo Light" panose="020B0300000101010101" pitchFamily="50" charset="-127"/>
+                  <a:cs typeface="Microsoft GothicNeo Light" panose="020B0300000101010101" pitchFamily="50" charset="-127"/>
+                </a:rPr>
+                <a:t>== 0</a:t>
+              </a:r>
+              <a:endParaRPr lang="ko-KR" altLang="en-US" sz="1000" dirty="0">
+                <a:latin typeface="Microsoft GothicNeo Light" panose="020B0300000101010101" pitchFamily="50" charset="-127"/>
+                <a:ea typeface="Microsoft GothicNeo Light" panose="020B0300000101010101" pitchFamily="50" charset="-127"/>
+                <a:cs typeface="Microsoft GothicNeo Light" panose="020B0300000101010101" pitchFamily="50" charset="-127"/>
+              </a:endParaRPr>
+            </a:p>
+          </p:txBody>
+        </p:sp>
+        <p:sp>
+          <p:nvSpPr>
+            <p:cNvPr id="43" name="순서도: 대체 처리 42">
+              <a:extLst>
+                <a:ext uri="{FF2B5EF4-FFF2-40B4-BE49-F238E27FC236}">
+                  <a16:creationId xmlns:a16="http://schemas.microsoft.com/office/drawing/2014/main" id="{89FC5C05-EA1A-FE3E-9480-F91F46E99E30}"/>
+                </a:ext>
+              </a:extLst>
+            </p:cNvPr>
+            <p:cNvSpPr/>
+            <p:nvPr/>
+          </p:nvSpPr>
+          <p:spPr>
+            <a:xfrm>
+              <a:off x="5753099" y="4537405"/>
+              <a:ext cx="1509963" cy="477757"/>
+            </a:xfrm>
+            <a:prstGeom prst="flowChartAlternateProcess">
+              <a:avLst/>
+            </a:prstGeom>
+          </p:spPr>
+          <p:style>
+            <a:lnRef idx="2">
+              <a:schemeClr val="dk1"/>
+            </a:lnRef>
+            <a:fillRef idx="1">
+              <a:schemeClr val="lt1"/>
+            </a:fillRef>
+            <a:effectRef idx="0">
+              <a:schemeClr val="dk1"/>
+            </a:effectRef>
+            <a:fontRef idx="minor">
+              <a:schemeClr val="dk1"/>
+            </a:fontRef>
+          </p:style>
+          <p:txBody>
+            <a:bodyPr rtlCol="0" anchor="ctr"/>
+            <a:lstStyle/>
+            <a:p>
+              <a:pPr algn="ctr"/>
+              <a:r>
+                <a:rPr lang="ko-KR" altLang="en-US" sz="1000" dirty="0">
+                  <a:latin typeface="Microsoft GothicNeo Light" panose="020B0300000101010101" pitchFamily="50" charset="-127"/>
+                  <a:ea typeface="Microsoft GothicNeo Light" panose="020B0300000101010101" pitchFamily="50" charset="-127"/>
+                  <a:cs typeface="Microsoft GothicNeo Light" panose="020B0300000101010101" pitchFamily="50" charset="-127"/>
+                </a:rPr>
+                <a:t>광장 이동</a:t>
+              </a:r>
+              <a:endParaRPr lang="en-US" altLang="ko-KR" sz="1000" dirty="0">
+                <a:latin typeface="Microsoft GothicNeo Light" panose="020B0300000101010101" pitchFamily="50" charset="-127"/>
+                <a:ea typeface="Microsoft GothicNeo Light" panose="020B0300000101010101" pitchFamily="50" charset="-127"/>
+                <a:cs typeface="Microsoft GothicNeo Light" panose="020B0300000101010101" pitchFamily="50" charset="-127"/>
+              </a:endParaRPr>
+            </a:p>
+          </p:txBody>
+        </p:sp>
+        <p:sp>
+          <p:nvSpPr>
+            <p:cNvPr id="48" name="순서도: 대체 처리 47">
+              <a:extLst>
+                <a:ext uri="{FF2B5EF4-FFF2-40B4-BE49-F238E27FC236}">
+                  <a16:creationId xmlns:a16="http://schemas.microsoft.com/office/drawing/2014/main" id="{60AC1A7D-FB08-593E-7B16-1C1EEEA42D9E}"/>
+                </a:ext>
+              </a:extLst>
+            </p:cNvPr>
+            <p:cNvSpPr/>
+            <p:nvPr/>
+          </p:nvSpPr>
+          <p:spPr>
+            <a:xfrm>
+              <a:off x="5753099" y="3574130"/>
+              <a:ext cx="1509963" cy="407321"/>
+            </a:xfrm>
+            <a:prstGeom prst="flowChartAlternateProcess">
+              <a:avLst/>
+            </a:prstGeom>
+          </p:spPr>
+          <p:style>
+            <a:lnRef idx="2">
+              <a:schemeClr val="dk1"/>
+            </a:lnRef>
+            <a:fillRef idx="1">
+              <a:schemeClr val="lt1"/>
+            </a:fillRef>
+            <a:effectRef idx="0">
+              <a:schemeClr val="dk1"/>
+            </a:effectRef>
+            <a:fontRef idx="minor">
+              <a:schemeClr val="dk1"/>
+            </a:fontRef>
+          </p:style>
+          <p:txBody>
+            <a:bodyPr rtlCol="0" anchor="ctr"/>
+            <a:lstStyle/>
+            <a:p>
+              <a:pPr algn="ctr"/>
+              <a:r>
+                <a:rPr lang="ko-KR" altLang="en-US" sz="1000" dirty="0">
+                  <a:latin typeface="Microsoft GothicNeo Light" panose="020B0300000101010101" pitchFamily="50" charset="-127"/>
+                  <a:ea typeface="Microsoft GothicNeo Light" panose="020B0300000101010101" pitchFamily="50" charset="-127"/>
+                  <a:cs typeface="Microsoft GothicNeo Light" panose="020B0300000101010101" pitchFamily="50" charset="-127"/>
+                </a:rPr>
+                <a:t>보상 제공</a:t>
+              </a:r>
+              <a:endParaRPr lang="en-US" altLang="ko-KR" sz="1000" dirty="0">
+                <a:latin typeface="Microsoft GothicNeo Light" panose="020B0300000101010101" pitchFamily="50" charset="-127"/>
+                <a:ea typeface="Microsoft GothicNeo Light" panose="020B0300000101010101" pitchFamily="50" charset="-127"/>
+                <a:cs typeface="Microsoft GothicNeo Light" panose="020B0300000101010101" pitchFamily="50" charset="-127"/>
+              </a:endParaRPr>
+            </a:p>
+          </p:txBody>
+        </p:sp>
+        <p:cxnSp>
+          <p:nvCxnSpPr>
+            <p:cNvPr id="49" name="직선 화살표 연결선 48">
+              <a:extLst>
+                <a:ext uri="{FF2B5EF4-FFF2-40B4-BE49-F238E27FC236}">
+                  <a16:creationId xmlns:a16="http://schemas.microsoft.com/office/drawing/2014/main" id="{B18547D7-093B-CD8A-A727-B69DBDE0E17E}"/>
+                </a:ext>
+              </a:extLst>
+            </p:cNvPr>
+            <p:cNvCxnSpPr>
+              <a:cxnSpLocks/>
+              <a:stCxn id="37" idx="2"/>
+              <a:endCxn id="42" idx="0"/>
+            </p:cNvCxnSpPr>
+            <p:nvPr/>
+          </p:nvCxnSpPr>
+          <p:spPr>
+            <a:xfrm flipH="1">
+              <a:off x="6508080" y="1656472"/>
+              <a:ext cx="1" cy="664123"/>
+            </a:xfrm>
+            <a:prstGeom prst="straightConnector1">
+              <a:avLst/>
+            </a:prstGeom>
+            <a:ln>
+              <a:tailEnd type="triangle"/>
+            </a:ln>
+          </p:spPr>
+          <p:style>
+            <a:lnRef idx="1">
+              <a:schemeClr val="dk1"/>
+            </a:lnRef>
+            <a:fillRef idx="0">
+              <a:schemeClr val="dk1"/>
+            </a:fillRef>
+            <a:effectRef idx="0">
+              <a:schemeClr val="dk1"/>
+            </a:effectRef>
+            <a:fontRef idx="minor">
+              <a:schemeClr val="tx1"/>
+            </a:fontRef>
+          </p:style>
+        </p:cxnSp>
+        <p:cxnSp>
+          <p:nvCxnSpPr>
+            <p:cNvPr id="52" name="직선 화살표 연결선 51">
+              <a:extLst>
+                <a:ext uri="{FF2B5EF4-FFF2-40B4-BE49-F238E27FC236}">
+                  <a16:creationId xmlns:a16="http://schemas.microsoft.com/office/drawing/2014/main" id="{2F0F47A6-421A-6604-EF77-0ED56593B921}"/>
+                </a:ext>
+              </a:extLst>
+            </p:cNvPr>
+            <p:cNvCxnSpPr>
+              <a:cxnSpLocks/>
+              <a:stCxn id="42" idx="2"/>
+              <a:endCxn id="48" idx="0"/>
+            </p:cNvCxnSpPr>
+            <p:nvPr/>
+          </p:nvCxnSpPr>
+          <p:spPr>
+            <a:xfrm>
+              <a:off x="6508080" y="3006395"/>
+              <a:ext cx="1" cy="567735"/>
+            </a:xfrm>
+            <a:prstGeom prst="straightConnector1">
+              <a:avLst/>
+            </a:prstGeom>
+            <a:ln>
+              <a:tailEnd type="triangle"/>
+            </a:ln>
+          </p:spPr>
+          <p:style>
+            <a:lnRef idx="1">
+              <a:schemeClr val="dk1"/>
+            </a:lnRef>
+            <a:fillRef idx="0">
+              <a:schemeClr val="dk1"/>
+            </a:fillRef>
+            <a:effectRef idx="0">
+              <a:schemeClr val="dk1"/>
+            </a:effectRef>
+            <a:fontRef idx="minor">
+              <a:schemeClr val="tx1"/>
+            </a:fontRef>
+          </p:style>
+        </p:cxnSp>
+        <p:cxnSp>
+          <p:nvCxnSpPr>
+            <p:cNvPr id="55" name="직선 화살표 연결선 54">
+              <a:extLst>
+                <a:ext uri="{FF2B5EF4-FFF2-40B4-BE49-F238E27FC236}">
+                  <a16:creationId xmlns:a16="http://schemas.microsoft.com/office/drawing/2014/main" id="{CF2C7D5C-F93E-55B1-54F3-607F0CE1A417}"/>
+                </a:ext>
+              </a:extLst>
+            </p:cNvPr>
+            <p:cNvCxnSpPr>
+              <a:cxnSpLocks/>
+              <a:stCxn id="48" idx="2"/>
+              <a:endCxn id="43" idx="0"/>
+            </p:cNvCxnSpPr>
+            <p:nvPr/>
+          </p:nvCxnSpPr>
+          <p:spPr>
+            <a:xfrm>
+              <a:off x="6508081" y="3981451"/>
+              <a:ext cx="0" cy="555954"/>
+            </a:xfrm>
+            <a:prstGeom prst="straightConnector1">
+              <a:avLst/>
+            </a:prstGeom>
+            <a:ln>
+              <a:tailEnd type="triangle"/>
+            </a:ln>
+          </p:spPr>
+          <p:style>
+            <a:lnRef idx="1">
+              <a:schemeClr val="dk1"/>
+            </a:lnRef>
+            <a:fillRef idx="0">
+              <a:schemeClr val="dk1"/>
+            </a:fillRef>
+            <a:effectRef idx="0">
+              <a:schemeClr val="dk1"/>
+            </a:effectRef>
+            <a:fontRef idx="minor">
+              <a:schemeClr val="tx1"/>
+            </a:fontRef>
+          </p:style>
+        </p:cxnSp>
+        <p:sp>
+          <p:nvSpPr>
+            <p:cNvPr id="60" name="순서도: 대체 처리 59">
+              <a:extLst>
+                <a:ext uri="{FF2B5EF4-FFF2-40B4-BE49-F238E27FC236}">
+                  <a16:creationId xmlns:a16="http://schemas.microsoft.com/office/drawing/2014/main" id="{49FEB8E4-D513-5CB4-B3E5-F7038AA5691A}"/>
+                </a:ext>
+              </a:extLst>
+            </p:cNvPr>
+            <p:cNvSpPr/>
+            <p:nvPr/>
+          </p:nvSpPr>
+          <p:spPr>
+            <a:xfrm>
+              <a:off x="8015037" y="2404815"/>
+              <a:ext cx="858254" cy="517359"/>
+            </a:xfrm>
+            <a:prstGeom prst="flowChartAlternateProcess">
+              <a:avLst/>
+            </a:prstGeom>
+          </p:spPr>
+          <p:style>
+            <a:lnRef idx="2">
+              <a:schemeClr val="dk1"/>
+            </a:lnRef>
+            <a:fillRef idx="1">
+              <a:schemeClr val="lt1"/>
+            </a:fillRef>
+            <a:effectRef idx="0">
+              <a:schemeClr val="dk1"/>
+            </a:effectRef>
+            <a:fontRef idx="minor">
+              <a:schemeClr val="dk1"/>
+            </a:fontRef>
+          </p:style>
+          <p:txBody>
+            <a:bodyPr rtlCol="0" anchor="ctr"/>
+            <a:lstStyle/>
+            <a:p>
+              <a:pPr algn="ctr"/>
+              <a:r>
+                <a:rPr lang="ko-KR" altLang="en-US" sz="1000">
+                  <a:latin typeface="Microsoft GothicNeo Light" panose="020B0300000101010101" pitchFamily="50" charset="-127"/>
+                  <a:ea typeface="Microsoft GothicNeo Light" panose="020B0300000101010101" pitchFamily="50" charset="-127"/>
+                  <a:cs typeface="Microsoft GothicNeo Light" panose="020B0300000101010101" pitchFamily="50" charset="-127"/>
+                </a:rPr>
+                <a:t>전투</a:t>
+              </a:r>
+              <a:endParaRPr lang="en-US" altLang="ko-KR" sz="1000" dirty="0">
+                <a:latin typeface="Microsoft GothicNeo Light" panose="020B0300000101010101" pitchFamily="50" charset="-127"/>
+                <a:ea typeface="Microsoft GothicNeo Light" panose="020B0300000101010101" pitchFamily="50" charset="-127"/>
+                <a:cs typeface="Microsoft GothicNeo Light" panose="020B0300000101010101" pitchFamily="50" charset="-127"/>
+              </a:endParaRPr>
+            </a:p>
+          </p:txBody>
+        </p:sp>
+        <p:cxnSp>
+          <p:nvCxnSpPr>
+            <p:cNvPr id="61" name="직선 화살표 연결선 60">
+              <a:extLst>
+                <a:ext uri="{FF2B5EF4-FFF2-40B4-BE49-F238E27FC236}">
+                  <a16:creationId xmlns:a16="http://schemas.microsoft.com/office/drawing/2014/main" id="{F8BB4756-536F-3129-A9E3-7694320B7678}"/>
+                </a:ext>
+              </a:extLst>
+            </p:cNvPr>
+            <p:cNvCxnSpPr>
+              <a:cxnSpLocks/>
+              <a:stCxn id="42" idx="3"/>
+              <a:endCxn id="60" idx="1"/>
+            </p:cNvCxnSpPr>
+            <p:nvPr/>
+          </p:nvCxnSpPr>
+          <p:spPr>
+            <a:xfrm>
+              <a:off x="7777412" y="2663495"/>
+              <a:ext cx="237625" cy="0"/>
+            </a:xfrm>
+            <a:prstGeom prst="straightConnector1">
+              <a:avLst/>
+            </a:prstGeom>
+            <a:ln>
+              <a:tailEnd type="triangle"/>
+            </a:ln>
+          </p:spPr>
+          <p:style>
+            <a:lnRef idx="1">
+              <a:schemeClr val="dk1"/>
+            </a:lnRef>
+            <a:fillRef idx="0">
+              <a:schemeClr val="dk1"/>
+            </a:fillRef>
+            <a:effectRef idx="0">
+              <a:schemeClr val="dk1"/>
+            </a:effectRef>
+            <a:fontRef idx="minor">
+              <a:schemeClr val="tx1"/>
+            </a:fontRef>
+          </p:style>
+        </p:cxnSp>
+        <p:cxnSp>
+          <p:nvCxnSpPr>
+            <p:cNvPr id="65" name="연결선: 꺾임 64">
+              <a:extLst>
+                <a:ext uri="{FF2B5EF4-FFF2-40B4-BE49-F238E27FC236}">
+                  <a16:creationId xmlns:a16="http://schemas.microsoft.com/office/drawing/2014/main" id="{84BCE8A2-8826-F2D3-CB8D-6027E31BBB72}"/>
+                </a:ext>
+              </a:extLst>
+            </p:cNvPr>
+            <p:cNvCxnSpPr>
+              <a:cxnSpLocks/>
+              <a:stCxn id="60" idx="0"/>
+            </p:cNvCxnSpPr>
+            <p:nvPr/>
+          </p:nvCxnSpPr>
+          <p:spPr>
+            <a:xfrm rot="16200000" flipV="1">
+              <a:off x="7340018" y="1300668"/>
+              <a:ext cx="272208" cy="1936085"/>
+            </a:xfrm>
+            <a:prstGeom prst="bentConnector2">
+              <a:avLst/>
+            </a:prstGeom>
+            <a:ln>
+              <a:tailEnd type="triangle"/>
+            </a:ln>
+          </p:spPr>
+          <p:style>
+            <a:lnRef idx="1">
+              <a:schemeClr val="dk1"/>
+            </a:lnRef>
+            <a:fillRef idx="0">
+              <a:schemeClr val="dk1"/>
+            </a:fillRef>
+            <a:effectRef idx="0">
+              <a:schemeClr val="dk1"/>
+            </a:effectRef>
+            <a:fontRef idx="minor">
+              <a:schemeClr val="tx1"/>
+            </a:fontRef>
+          </p:style>
+        </p:cxnSp>
+        <p:sp>
+          <p:nvSpPr>
+            <p:cNvPr id="68" name="TextBox 67">
+              <a:extLst>
+                <a:ext uri="{FF2B5EF4-FFF2-40B4-BE49-F238E27FC236}">
+                  <a16:creationId xmlns:a16="http://schemas.microsoft.com/office/drawing/2014/main" id="{1552A7AF-C0D1-FFCC-3ADE-9171D43BF00A}"/>
+                </a:ext>
+              </a:extLst>
+            </p:cNvPr>
+            <p:cNvSpPr txBox="1"/>
+            <p:nvPr/>
+          </p:nvSpPr>
+          <p:spPr>
+            <a:xfrm>
+              <a:off x="7643958" y="2458224"/>
+              <a:ext cx="420308" cy="230832"/>
+            </a:xfrm>
+            <a:prstGeom prst="rect">
+              <a:avLst/>
+            </a:prstGeom>
+            <a:noFill/>
+          </p:spPr>
+          <p:txBody>
+            <a:bodyPr wrap="none" rtlCol="0">
+              <a:spAutoFit/>
+            </a:bodyPr>
+            <a:lstStyle/>
+            <a:p>
+              <a:r>
+                <a:rPr lang="en-US" altLang="ko-KR" sz="900" dirty="0">
+                  <a:latin typeface="Microsoft GothicNeo Light" panose="020B0300000101010101" pitchFamily="50" charset="-127"/>
+                  <a:ea typeface="Microsoft GothicNeo Light" panose="020B0300000101010101" pitchFamily="50" charset="-127"/>
+                  <a:cs typeface="Microsoft GothicNeo Light" panose="020B0300000101010101" pitchFamily="50" charset="-127"/>
+                </a:rPr>
+                <a:t>false</a:t>
+              </a:r>
+              <a:endParaRPr lang="ko-KR" altLang="en-US" sz="900" dirty="0">
+                <a:latin typeface="Microsoft GothicNeo Light" panose="020B0300000101010101" pitchFamily="50" charset="-127"/>
+                <a:ea typeface="Microsoft GothicNeo Light" panose="020B0300000101010101" pitchFamily="50" charset="-127"/>
+                <a:cs typeface="Microsoft GothicNeo Light" panose="020B0300000101010101" pitchFamily="50" charset="-127"/>
+              </a:endParaRPr>
+            </a:p>
+          </p:txBody>
+        </p:sp>
+        <p:sp>
+          <p:nvSpPr>
+            <p:cNvPr id="69" name="TextBox 68">
+              <a:extLst>
+                <a:ext uri="{FF2B5EF4-FFF2-40B4-BE49-F238E27FC236}">
+                  <a16:creationId xmlns:a16="http://schemas.microsoft.com/office/drawing/2014/main" id="{717D656B-E95B-CD41-71C5-1C8AF2DFB90D}"/>
+                </a:ext>
+              </a:extLst>
+            </p:cNvPr>
+            <p:cNvSpPr txBox="1"/>
+            <p:nvPr/>
+          </p:nvSpPr>
+          <p:spPr>
+            <a:xfrm>
+              <a:off x="6508078" y="3006395"/>
+              <a:ext cx="394660" cy="230832"/>
+            </a:xfrm>
+            <a:prstGeom prst="rect">
+              <a:avLst/>
+            </a:prstGeom>
+            <a:noFill/>
+          </p:spPr>
+          <p:txBody>
+            <a:bodyPr wrap="none" rtlCol="0">
+              <a:spAutoFit/>
+            </a:bodyPr>
+            <a:lstStyle/>
+            <a:p>
+              <a:r>
+                <a:rPr lang="en-US" altLang="ko-KR" sz="900" dirty="0">
+                  <a:latin typeface="Microsoft GothicNeo Light" panose="020B0300000101010101" pitchFamily="50" charset="-127"/>
+                  <a:ea typeface="Microsoft GothicNeo Light" panose="020B0300000101010101" pitchFamily="50" charset="-127"/>
+                  <a:cs typeface="Microsoft GothicNeo Light" panose="020B0300000101010101" pitchFamily="50" charset="-127"/>
+                </a:rPr>
+                <a:t>true</a:t>
+              </a:r>
+              <a:endParaRPr lang="ko-KR" altLang="en-US" sz="900" dirty="0">
+                <a:latin typeface="Microsoft GothicNeo Light" panose="020B0300000101010101" pitchFamily="50" charset="-127"/>
+                <a:ea typeface="Microsoft GothicNeo Light" panose="020B0300000101010101" pitchFamily="50" charset="-127"/>
+                <a:cs typeface="Microsoft GothicNeo Light" panose="020B0300000101010101" pitchFamily="50" charset="-127"/>
+              </a:endParaRPr>
+            </a:p>
+          </p:txBody>
+        </p:sp>
+        <p:cxnSp>
+          <p:nvCxnSpPr>
+            <p:cNvPr id="70" name="연결선: 꺾임 69">
+              <a:extLst>
+                <a:ext uri="{FF2B5EF4-FFF2-40B4-BE49-F238E27FC236}">
+                  <a16:creationId xmlns:a16="http://schemas.microsoft.com/office/drawing/2014/main" id="{053FF59D-8CC1-E0CF-5F01-D857A1C20446}"/>
+                </a:ext>
+              </a:extLst>
+            </p:cNvPr>
+            <p:cNvCxnSpPr>
+              <a:cxnSpLocks/>
+              <a:stCxn id="17" idx="3"/>
+              <a:endCxn id="37" idx="1"/>
+            </p:cNvCxnSpPr>
+            <p:nvPr/>
+          </p:nvCxnSpPr>
+          <p:spPr>
+            <a:xfrm flipV="1">
+              <a:off x="2908629" y="1452812"/>
+              <a:ext cx="2844470" cy="3323472"/>
+            </a:xfrm>
+            <a:prstGeom prst="bentConnector3">
+              <a:avLst>
+                <a:gd name="adj1" fmla="val 78551"/>
+              </a:avLst>
+            </a:prstGeom>
+            <a:ln>
+              <a:tailEnd type="triangle"/>
+            </a:ln>
+          </p:spPr>
+          <p:style>
+            <a:lnRef idx="1">
+              <a:schemeClr val="dk1"/>
+            </a:lnRef>
+            <a:fillRef idx="0">
+              <a:schemeClr val="dk1"/>
+            </a:fillRef>
+            <a:effectRef idx="0">
+              <a:schemeClr val="dk1"/>
+            </a:effectRef>
+            <a:fontRef idx="minor">
+              <a:schemeClr val="tx1"/>
+            </a:fontRef>
+          </p:style>
+        </p:cxnSp>
+      </p:grpSp>
+    </p:spTree>
+    <p:extLst>
+      <p:ext uri="{BB962C8B-B14F-4D97-AF65-F5344CB8AC3E}">
+        <p14:creationId xmlns:p14="http://schemas.microsoft.com/office/powerpoint/2010/main" val="2704283397"/>
+      </p:ext>
+    </p:extLst>
+  </p:cSld>
+  <p:clrMapOvr>
+    <a:masterClrMapping/>
+  </p:clrMapOvr>
+</p:sld>
+</file>
+
+<file path=ppt/slides/slide5.xml><?xml version="1.0" encoding="utf-8"?>
+<p:sld xmlns:a="http://schemas.openxmlformats.org/drawingml/2006/main" xmlns:r="http://schemas.openxmlformats.org/officeDocument/2006/relationships" xmlns:p="http://schemas.openxmlformats.org/presentationml/2006/main">
+  <p:cSld>
+    <p:spTree>
+      <p:nvGrpSpPr>
+        <p:cNvPr id="1" name=""/>
+        <p:cNvGrpSpPr/>
+        <p:nvPr/>
+      </p:nvGrpSpPr>
+      <p:grpSpPr>
+        <a:xfrm>
+          <a:off x="0" y="0"/>
+          <a:ext cx="0" cy="0"/>
+          <a:chOff x="0" y="0"/>
+          <a:chExt cx="0" cy="0"/>
+        </a:xfrm>
+      </p:grpSpPr>
+    </p:spTree>
+    <p:extLst>
+      <p:ext uri="{BB962C8B-B14F-4D97-AF65-F5344CB8AC3E}">
+        <p14:creationId xmlns:p14="http://schemas.microsoft.com/office/powerpoint/2010/main" val="3082980273"/>
       </p:ext>
     </p:extLst>
   </p:cSld>
